--- a/Docs/Презентация8.pptx
+++ b/Docs/Презентация8.pptx
@@ -6,6 +6,8 @@
   </p:sldMasterIdLst>
   <p:sldIdLst>
     <p:sldId id="256" r:id="rId2"/>
+    <p:sldId id="257" r:id="rId3"/>
+    <p:sldId id="258" r:id="rId4"/>
   </p:sldIdLst>
   <p:sldSz cx="9144000" cy="6858000" type="screen4x3"/>
   <p:notesSz cx="6858000" cy="9144000"/>
@@ -107,6 +109,2848 @@
 </p:presentation>
 </file>
 
+<file path=ppt/diagrams/colors1.xml><?xml version="1.0" encoding="utf-8"?>
+<dgm:colorsDef xmlns:dgm="http://schemas.openxmlformats.org/drawingml/2006/diagram" xmlns:a="http://schemas.openxmlformats.org/drawingml/2006/main" uniqueId="urn:microsoft.com/office/officeart/2005/8/colors/accent1_2">
+  <dgm:title val=""/>
+  <dgm:desc val=""/>
+  <dgm:catLst>
+    <dgm:cat type="accent1" pri="11200"/>
+  </dgm:catLst>
+  <dgm:styleLbl name="node0">
+    <dgm:fillClrLst meth="repeat">
+      <a:schemeClr val="accent1"/>
+    </dgm:fillClrLst>
+    <dgm:linClrLst meth="repeat">
+      <a:schemeClr val="lt1"/>
+    </dgm:linClrLst>
+    <dgm:effectClrLst/>
+    <dgm:txLinClrLst/>
+    <dgm:txFillClrLst/>
+    <dgm:txEffectClrLst/>
+  </dgm:styleLbl>
+  <dgm:styleLbl name="alignNode1">
+    <dgm:fillClrLst meth="repeat">
+      <a:schemeClr val="accent1"/>
+    </dgm:fillClrLst>
+    <dgm:linClrLst meth="repeat">
+      <a:schemeClr val="accent1"/>
+    </dgm:linClrLst>
+    <dgm:effectClrLst/>
+    <dgm:txLinClrLst/>
+    <dgm:txFillClrLst/>
+    <dgm:txEffectClrLst/>
+  </dgm:styleLbl>
+  <dgm:styleLbl name="node1">
+    <dgm:fillClrLst meth="repeat">
+      <a:schemeClr val="accent1"/>
+    </dgm:fillClrLst>
+    <dgm:linClrLst meth="repeat">
+      <a:schemeClr val="lt1"/>
+    </dgm:linClrLst>
+    <dgm:effectClrLst/>
+    <dgm:txLinClrLst/>
+    <dgm:txFillClrLst/>
+    <dgm:txEffectClrLst/>
+  </dgm:styleLbl>
+  <dgm:styleLbl name="lnNode1">
+    <dgm:fillClrLst meth="repeat">
+      <a:schemeClr val="accent1"/>
+    </dgm:fillClrLst>
+    <dgm:linClrLst meth="repeat">
+      <a:schemeClr val="lt1"/>
+    </dgm:linClrLst>
+    <dgm:effectClrLst/>
+    <dgm:txLinClrLst/>
+    <dgm:txFillClrLst/>
+    <dgm:txEffectClrLst/>
+  </dgm:styleLbl>
+  <dgm:styleLbl name="vennNode1">
+    <dgm:fillClrLst meth="repeat">
+      <a:schemeClr val="accent1">
+        <a:alpha val="50000"/>
+      </a:schemeClr>
+    </dgm:fillClrLst>
+    <dgm:linClrLst meth="repeat">
+      <a:schemeClr val="lt1"/>
+    </dgm:linClrLst>
+    <dgm:effectClrLst/>
+    <dgm:txLinClrLst/>
+    <dgm:txFillClrLst/>
+    <dgm:txEffectClrLst/>
+  </dgm:styleLbl>
+  <dgm:styleLbl name="node2">
+    <dgm:fillClrLst meth="repeat">
+      <a:schemeClr val="accent1"/>
+    </dgm:fillClrLst>
+    <dgm:linClrLst meth="repeat">
+      <a:schemeClr val="lt1"/>
+    </dgm:linClrLst>
+    <dgm:effectClrLst/>
+    <dgm:txLinClrLst/>
+    <dgm:txFillClrLst/>
+    <dgm:txEffectClrLst/>
+  </dgm:styleLbl>
+  <dgm:styleLbl name="node3">
+    <dgm:fillClrLst meth="repeat">
+      <a:schemeClr val="accent1"/>
+    </dgm:fillClrLst>
+    <dgm:linClrLst meth="repeat">
+      <a:schemeClr val="lt1"/>
+    </dgm:linClrLst>
+    <dgm:effectClrLst/>
+    <dgm:txLinClrLst/>
+    <dgm:txFillClrLst/>
+    <dgm:txEffectClrLst/>
+  </dgm:styleLbl>
+  <dgm:styleLbl name="node4">
+    <dgm:fillClrLst meth="repeat">
+      <a:schemeClr val="accent1"/>
+    </dgm:fillClrLst>
+    <dgm:linClrLst meth="repeat">
+      <a:schemeClr val="lt1"/>
+    </dgm:linClrLst>
+    <dgm:effectClrLst/>
+    <dgm:txLinClrLst/>
+    <dgm:txFillClrLst/>
+    <dgm:txEffectClrLst/>
+  </dgm:styleLbl>
+  <dgm:styleLbl name="fgImgPlace1">
+    <dgm:fillClrLst meth="repeat">
+      <a:schemeClr val="accent1">
+        <a:tint val="50000"/>
+      </a:schemeClr>
+    </dgm:fillClrLst>
+    <dgm:linClrLst meth="repeat">
+      <a:schemeClr val="lt1"/>
+    </dgm:linClrLst>
+    <dgm:effectClrLst/>
+    <dgm:txLinClrLst/>
+    <dgm:txFillClrLst meth="repeat">
+      <a:schemeClr val="lt1"/>
+    </dgm:txFillClrLst>
+    <dgm:txEffectClrLst/>
+  </dgm:styleLbl>
+  <dgm:styleLbl name="alignImgPlace1">
+    <dgm:fillClrLst meth="repeat">
+      <a:schemeClr val="accent1">
+        <a:tint val="50000"/>
+      </a:schemeClr>
+    </dgm:fillClrLst>
+    <dgm:linClrLst meth="repeat">
+      <a:schemeClr val="lt1"/>
+    </dgm:linClrLst>
+    <dgm:effectClrLst/>
+    <dgm:txLinClrLst/>
+    <dgm:txFillClrLst meth="repeat">
+      <a:schemeClr val="lt1"/>
+    </dgm:txFillClrLst>
+    <dgm:txEffectClrLst/>
+  </dgm:styleLbl>
+  <dgm:styleLbl name="bgImgPlace1">
+    <dgm:fillClrLst meth="repeat">
+      <a:schemeClr val="accent1">
+        <a:tint val="50000"/>
+      </a:schemeClr>
+    </dgm:fillClrLst>
+    <dgm:linClrLst meth="repeat">
+      <a:schemeClr val="lt1"/>
+    </dgm:linClrLst>
+    <dgm:effectClrLst/>
+    <dgm:txLinClrLst/>
+    <dgm:txFillClrLst meth="repeat">
+      <a:schemeClr val="lt1"/>
+    </dgm:txFillClrLst>
+    <dgm:txEffectClrLst/>
+  </dgm:styleLbl>
+  <dgm:styleLbl name="sibTrans2D1">
+    <dgm:fillClrLst meth="repeat">
+      <a:schemeClr val="accent1">
+        <a:tint val="60000"/>
+      </a:schemeClr>
+    </dgm:fillClrLst>
+    <dgm:linClrLst meth="repeat">
+      <a:schemeClr val="accent1">
+        <a:tint val="60000"/>
+      </a:schemeClr>
+    </dgm:linClrLst>
+    <dgm:effectClrLst/>
+    <dgm:txLinClrLst/>
+    <dgm:txFillClrLst/>
+    <dgm:txEffectClrLst/>
+  </dgm:styleLbl>
+  <dgm:styleLbl name="fgSibTrans2D1">
+    <dgm:fillClrLst meth="repeat">
+      <a:schemeClr val="accent1">
+        <a:tint val="60000"/>
+      </a:schemeClr>
+    </dgm:fillClrLst>
+    <dgm:linClrLst meth="repeat">
+      <a:schemeClr val="accent1">
+        <a:tint val="60000"/>
+      </a:schemeClr>
+    </dgm:linClrLst>
+    <dgm:effectClrLst/>
+    <dgm:txLinClrLst/>
+    <dgm:txFillClrLst/>
+    <dgm:txEffectClrLst/>
+  </dgm:styleLbl>
+  <dgm:styleLbl name="bgSibTrans2D1">
+    <dgm:fillClrLst meth="repeat">
+      <a:schemeClr val="accent1">
+        <a:tint val="60000"/>
+      </a:schemeClr>
+    </dgm:fillClrLst>
+    <dgm:linClrLst meth="repeat">
+      <a:schemeClr val="accent1">
+        <a:tint val="60000"/>
+      </a:schemeClr>
+    </dgm:linClrLst>
+    <dgm:effectClrLst/>
+    <dgm:txLinClrLst/>
+    <dgm:txFillClrLst/>
+    <dgm:txEffectClrLst/>
+  </dgm:styleLbl>
+  <dgm:styleLbl name="sibTrans1D1">
+    <dgm:fillClrLst meth="repeat">
+      <a:schemeClr val="accent1"/>
+    </dgm:fillClrLst>
+    <dgm:linClrLst meth="repeat">
+      <a:schemeClr val="accent1"/>
+    </dgm:linClrLst>
+    <dgm:effectClrLst/>
+    <dgm:txLinClrLst/>
+    <dgm:txFillClrLst meth="repeat">
+      <a:schemeClr val="tx1"/>
+    </dgm:txFillClrLst>
+    <dgm:txEffectClrLst/>
+  </dgm:styleLbl>
+  <dgm:styleLbl name="callout">
+    <dgm:fillClrLst meth="repeat">
+      <a:schemeClr val="accent1"/>
+    </dgm:fillClrLst>
+    <dgm:linClrLst meth="repeat">
+      <a:schemeClr val="accent1">
+        <a:tint val="50000"/>
+      </a:schemeClr>
+    </dgm:linClrLst>
+    <dgm:effectClrLst/>
+    <dgm:txLinClrLst/>
+    <dgm:txFillClrLst meth="repeat">
+      <a:schemeClr val="tx1"/>
+    </dgm:txFillClrLst>
+    <dgm:txEffectClrLst/>
+  </dgm:styleLbl>
+  <dgm:styleLbl name="asst0">
+    <dgm:fillClrLst meth="repeat">
+      <a:schemeClr val="accent1"/>
+    </dgm:fillClrLst>
+    <dgm:linClrLst meth="repeat">
+      <a:schemeClr val="lt1"/>
+    </dgm:linClrLst>
+    <dgm:effectClrLst/>
+    <dgm:txLinClrLst/>
+    <dgm:txFillClrLst/>
+    <dgm:txEffectClrLst/>
+  </dgm:styleLbl>
+  <dgm:styleLbl name="asst1">
+    <dgm:fillClrLst meth="repeat">
+      <a:schemeClr val="accent1"/>
+    </dgm:fillClrLst>
+    <dgm:linClrLst meth="repeat">
+      <a:schemeClr val="lt1"/>
+    </dgm:linClrLst>
+    <dgm:effectClrLst/>
+    <dgm:txLinClrLst/>
+    <dgm:txFillClrLst/>
+    <dgm:txEffectClrLst/>
+  </dgm:styleLbl>
+  <dgm:styleLbl name="asst2">
+    <dgm:fillClrLst meth="repeat">
+      <a:schemeClr val="accent1"/>
+    </dgm:fillClrLst>
+    <dgm:linClrLst meth="repeat">
+      <a:schemeClr val="lt1"/>
+    </dgm:linClrLst>
+    <dgm:effectClrLst/>
+    <dgm:txLinClrLst/>
+    <dgm:txFillClrLst/>
+    <dgm:txEffectClrLst/>
+  </dgm:styleLbl>
+  <dgm:styleLbl name="asst3">
+    <dgm:fillClrLst meth="repeat">
+      <a:schemeClr val="accent1"/>
+    </dgm:fillClrLst>
+    <dgm:linClrLst meth="repeat">
+      <a:schemeClr val="lt1"/>
+    </dgm:linClrLst>
+    <dgm:effectClrLst/>
+    <dgm:txLinClrLst/>
+    <dgm:txFillClrLst/>
+    <dgm:txEffectClrLst/>
+  </dgm:styleLbl>
+  <dgm:styleLbl name="asst4">
+    <dgm:fillClrLst meth="repeat">
+      <a:schemeClr val="accent1"/>
+    </dgm:fillClrLst>
+    <dgm:linClrLst meth="repeat">
+      <a:schemeClr val="lt1"/>
+    </dgm:linClrLst>
+    <dgm:effectClrLst/>
+    <dgm:txLinClrLst/>
+    <dgm:txFillClrLst/>
+    <dgm:txEffectClrLst/>
+  </dgm:styleLbl>
+  <dgm:styleLbl name="parChTrans2D1">
+    <dgm:fillClrLst meth="repeat">
+      <a:schemeClr val="accent1">
+        <a:tint val="60000"/>
+      </a:schemeClr>
+    </dgm:fillClrLst>
+    <dgm:linClrLst meth="repeat">
+      <a:schemeClr val="accent1">
+        <a:tint val="60000"/>
+      </a:schemeClr>
+    </dgm:linClrLst>
+    <dgm:effectClrLst/>
+    <dgm:txLinClrLst/>
+    <dgm:txFillClrLst meth="repeat">
+      <a:schemeClr val="lt1"/>
+    </dgm:txFillClrLst>
+    <dgm:txEffectClrLst/>
+  </dgm:styleLbl>
+  <dgm:styleLbl name="parChTrans2D2">
+    <dgm:fillClrLst meth="repeat">
+      <a:schemeClr val="accent1"/>
+    </dgm:fillClrLst>
+    <dgm:linClrLst meth="repeat">
+      <a:schemeClr val="accent1"/>
+    </dgm:linClrLst>
+    <dgm:effectClrLst/>
+    <dgm:txLinClrLst/>
+    <dgm:txFillClrLst meth="repeat">
+      <a:schemeClr val="lt1"/>
+    </dgm:txFillClrLst>
+    <dgm:txEffectClrLst/>
+  </dgm:styleLbl>
+  <dgm:styleLbl name="parChTrans2D3">
+    <dgm:fillClrLst meth="repeat">
+      <a:schemeClr val="accent1"/>
+    </dgm:fillClrLst>
+    <dgm:linClrLst meth="repeat">
+      <a:schemeClr val="accent1"/>
+    </dgm:linClrLst>
+    <dgm:effectClrLst/>
+    <dgm:txLinClrLst/>
+    <dgm:txFillClrLst meth="repeat">
+      <a:schemeClr val="lt1"/>
+    </dgm:txFillClrLst>
+    <dgm:txEffectClrLst/>
+  </dgm:styleLbl>
+  <dgm:styleLbl name="parChTrans2D4">
+    <dgm:fillClrLst meth="repeat">
+      <a:schemeClr val="accent1"/>
+    </dgm:fillClrLst>
+    <dgm:linClrLst meth="repeat">
+      <a:schemeClr val="accent1"/>
+    </dgm:linClrLst>
+    <dgm:effectClrLst/>
+    <dgm:txLinClrLst/>
+    <dgm:txFillClrLst meth="repeat">
+      <a:schemeClr val="lt1"/>
+    </dgm:txFillClrLst>
+    <dgm:txEffectClrLst/>
+  </dgm:styleLbl>
+  <dgm:styleLbl name="parChTrans1D1">
+    <dgm:fillClrLst meth="repeat">
+      <a:schemeClr val="accent1"/>
+    </dgm:fillClrLst>
+    <dgm:linClrLst meth="repeat">
+      <a:schemeClr val="accent1">
+        <a:shade val="60000"/>
+      </a:schemeClr>
+    </dgm:linClrLst>
+    <dgm:effectClrLst/>
+    <dgm:txLinClrLst/>
+    <dgm:txFillClrLst meth="repeat">
+      <a:schemeClr val="tx1"/>
+    </dgm:txFillClrLst>
+    <dgm:txEffectClrLst/>
+  </dgm:styleLbl>
+  <dgm:styleLbl name="parChTrans1D2">
+    <dgm:fillClrLst meth="repeat">
+      <a:schemeClr val="accent1"/>
+    </dgm:fillClrLst>
+    <dgm:linClrLst meth="repeat">
+      <a:schemeClr val="accent1">
+        <a:shade val="60000"/>
+      </a:schemeClr>
+    </dgm:linClrLst>
+    <dgm:effectClrLst/>
+    <dgm:txLinClrLst/>
+    <dgm:txFillClrLst meth="repeat">
+      <a:schemeClr val="tx1"/>
+    </dgm:txFillClrLst>
+    <dgm:txEffectClrLst/>
+  </dgm:styleLbl>
+  <dgm:styleLbl name="parChTrans1D3">
+    <dgm:fillClrLst meth="repeat">
+      <a:schemeClr val="accent1"/>
+    </dgm:fillClrLst>
+    <dgm:linClrLst meth="repeat">
+      <a:schemeClr val="accent1">
+        <a:shade val="80000"/>
+      </a:schemeClr>
+    </dgm:linClrLst>
+    <dgm:effectClrLst/>
+    <dgm:txLinClrLst/>
+    <dgm:txFillClrLst meth="repeat">
+      <a:schemeClr val="tx1"/>
+    </dgm:txFillClrLst>
+    <dgm:txEffectClrLst/>
+  </dgm:styleLbl>
+  <dgm:styleLbl name="parChTrans1D4">
+    <dgm:fillClrLst meth="repeat">
+      <a:schemeClr val="accent1"/>
+    </dgm:fillClrLst>
+    <dgm:linClrLst meth="repeat">
+      <a:schemeClr val="accent1">
+        <a:shade val="80000"/>
+      </a:schemeClr>
+    </dgm:linClrLst>
+    <dgm:effectClrLst/>
+    <dgm:txLinClrLst/>
+    <dgm:txFillClrLst meth="repeat">
+      <a:schemeClr val="tx1"/>
+    </dgm:txFillClrLst>
+    <dgm:txEffectClrLst/>
+  </dgm:styleLbl>
+  <dgm:styleLbl name="fgAcc1">
+    <dgm:fillClrLst meth="repeat">
+      <a:schemeClr val="lt1">
+        <a:alpha val="90000"/>
+      </a:schemeClr>
+    </dgm:fillClrLst>
+    <dgm:linClrLst meth="repeat">
+      <a:schemeClr val="accent1"/>
+    </dgm:linClrLst>
+    <dgm:effectClrLst/>
+    <dgm:txLinClrLst/>
+    <dgm:txFillClrLst meth="repeat">
+      <a:schemeClr val="dk1"/>
+    </dgm:txFillClrLst>
+    <dgm:txEffectClrLst/>
+  </dgm:styleLbl>
+  <dgm:styleLbl name="conFgAcc1">
+    <dgm:fillClrLst meth="repeat">
+      <a:schemeClr val="lt1">
+        <a:alpha val="90000"/>
+      </a:schemeClr>
+    </dgm:fillClrLst>
+    <dgm:linClrLst meth="repeat">
+      <a:schemeClr val="accent1"/>
+    </dgm:linClrLst>
+    <dgm:effectClrLst/>
+    <dgm:txLinClrLst/>
+    <dgm:txFillClrLst meth="repeat">
+      <a:schemeClr val="dk1"/>
+    </dgm:txFillClrLst>
+    <dgm:txEffectClrLst/>
+  </dgm:styleLbl>
+  <dgm:styleLbl name="alignAcc1">
+    <dgm:fillClrLst meth="repeat">
+      <a:schemeClr val="lt1">
+        <a:alpha val="90000"/>
+      </a:schemeClr>
+    </dgm:fillClrLst>
+    <dgm:linClrLst meth="repeat">
+      <a:schemeClr val="accent1"/>
+    </dgm:linClrLst>
+    <dgm:effectClrLst/>
+    <dgm:txLinClrLst/>
+    <dgm:txFillClrLst meth="repeat">
+      <a:schemeClr val="dk1"/>
+    </dgm:txFillClrLst>
+    <dgm:txEffectClrLst/>
+  </dgm:styleLbl>
+  <dgm:styleLbl name="trAlignAcc1">
+    <dgm:fillClrLst meth="repeat">
+      <a:schemeClr val="lt1">
+        <a:alpha val="40000"/>
+      </a:schemeClr>
+    </dgm:fillClrLst>
+    <dgm:linClrLst meth="repeat">
+      <a:schemeClr val="accent1"/>
+    </dgm:linClrLst>
+    <dgm:effectClrLst/>
+    <dgm:txLinClrLst/>
+    <dgm:txFillClrLst meth="repeat">
+      <a:schemeClr val="dk1"/>
+    </dgm:txFillClrLst>
+    <dgm:txEffectClrLst/>
+  </dgm:styleLbl>
+  <dgm:styleLbl name="bgAcc1">
+    <dgm:fillClrLst meth="repeat">
+      <a:schemeClr val="lt1">
+        <a:alpha val="90000"/>
+      </a:schemeClr>
+    </dgm:fillClrLst>
+    <dgm:linClrLst meth="repeat">
+      <a:schemeClr val="accent1"/>
+    </dgm:linClrLst>
+    <dgm:effectClrLst/>
+    <dgm:txLinClrLst/>
+    <dgm:txFillClrLst meth="repeat">
+      <a:schemeClr val="dk1"/>
+    </dgm:txFillClrLst>
+    <dgm:txEffectClrLst/>
+  </dgm:styleLbl>
+  <dgm:styleLbl name="solidFgAcc1">
+    <dgm:fillClrLst meth="repeat">
+      <a:schemeClr val="lt1"/>
+    </dgm:fillClrLst>
+    <dgm:linClrLst meth="repeat">
+      <a:schemeClr val="accent1"/>
+    </dgm:linClrLst>
+    <dgm:effectClrLst/>
+    <dgm:txLinClrLst/>
+    <dgm:txFillClrLst meth="repeat">
+      <a:schemeClr val="dk1"/>
+    </dgm:txFillClrLst>
+    <dgm:txEffectClrLst/>
+  </dgm:styleLbl>
+  <dgm:styleLbl name="solidAlignAcc1">
+    <dgm:fillClrLst meth="repeat">
+      <a:schemeClr val="lt1"/>
+    </dgm:fillClrLst>
+    <dgm:linClrLst meth="repeat">
+      <a:schemeClr val="accent1"/>
+    </dgm:linClrLst>
+    <dgm:effectClrLst/>
+    <dgm:txLinClrLst/>
+    <dgm:txFillClrLst meth="repeat">
+      <a:schemeClr val="dk1"/>
+    </dgm:txFillClrLst>
+    <dgm:txEffectClrLst/>
+  </dgm:styleLbl>
+  <dgm:styleLbl name="solidBgAcc1">
+    <dgm:fillClrLst meth="repeat">
+      <a:schemeClr val="lt1"/>
+    </dgm:fillClrLst>
+    <dgm:linClrLst meth="repeat">
+      <a:schemeClr val="accent1"/>
+    </dgm:linClrLst>
+    <dgm:effectClrLst/>
+    <dgm:txLinClrLst/>
+    <dgm:txFillClrLst meth="repeat">
+      <a:schemeClr val="dk1"/>
+    </dgm:txFillClrLst>
+    <dgm:txEffectClrLst/>
+  </dgm:styleLbl>
+  <dgm:styleLbl name="fgAccFollowNode1">
+    <dgm:fillClrLst meth="repeat">
+      <a:schemeClr val="accent1">
+        <a:alpha val="90000"/>
+        <a:tint val="40000"/>
+      </a:schemeClr>
+    </dgm:fillClrLst>
+    <dgm:linClrLst meth="repeat">
+      <a:schemeClr val="accent1">
+        <a:alpha val="90000"/>
+        <a:tint val="40000"/>
+      </a:schemeClr>
+    </dgm:linClrLst>
+    <dgm:effectClrLst/>
+    <dgm:txLinClrLst/>
+    <dgm:txFillClrLst meth="repeat">
+      <a:schemeClr val="dk1"/>
+    </dgm:txFillClrLst>
+    <dgm:txEffectClrLst/>
+  </dgm:styleLbl>
+  <dgm:styleLbl name="alignAccFollowNode1">
+    <dgm:fillClrLst meth="repeat">
+      <a:schemeClr val="accent1">
+        <a:alpha val="90000"/>
+        <a:tint val="40000"/>
+      </a:schemeClr>
+    </dgm:fillClrLst>
+    <dgm:linClrLst meth="repeat">
+      <a:schemeClr val="accent1">
+        <a:alpha val="90000"/>
+        <a:tint val="40000"/>
+      </a:schemeClr>
+    </dgm:linClrLst>
+    <dgm:effectClrLst/>
+    <dgm:txLinClrLst/>
+    <dgm:txFillClrLst meth="repeat">
+      <a:schemeClr val="dk1"/>
+    </dgm:txFillClrLst>
+    <dgm:txEffectClrLst/>
+  </dgm:styleLbl>
+  <dgm:styleLbl name="bgAccFollowNode1">
+    <dgm:fillClrLst meth="repeat">
+      <a:schemeClr val="accent1">
+        <a:alpha val="90000"/>
+        <a:tint val="40000"/>
+      </a:schemeClr>
+    </dgm:fillClrLst>
+    <dgm:linClrLst meth="repeat">
+      <a:schemeClr val="accent1">
+        <a:alpha val="90000"/>
+        <a:tint val="40000"/>
+      </a:schemeClr>
+    </dgm:linClrLst>
+    <dgm:effectClrLst/>
+    <dgm:txLinClrLst/>
+    <dgm:txFillClrLst meth="repeat">
+      <a:schemeClr val="dk1"/>
+    </dgm:txFillClrLst>
+    <dgm:txEffectClrLst/>
+  </dgm:styleLbl>
+  <dgm:styleLbl name="fgAcc0">
+    <dgm:fillClrLst meth="repeat">
+      <a:schemeClr val="lt1">
+        <a:alpha val="90000"/>
+      </a:schemeClr>
+    </dgm:fillClrLst>
+    <dgm:linClrLst meth="repeat">
+      <a:schemeClr val="accent1"/>
+    </dgm:linClrLst>
+    <dgm:effectClrLst/>
+    <dgm:txLinClrLst/>
+    <dgm:txFillClrLst meth="repeat">
+      <a:schemeClr val="dk1"/>
+    </dgm:txFillClrLst>
+    <dgm:txEffectClrLst/>
+  </dgm:styleLbl>
+  <dgm:styleLbl name="fgAcc2">
+    <dgm:fillClrLst meth="repeat">
+      <a:schemeClr val="lt1">
+        <a:alpha val="90000"/>
+      </a:schemeClr>
+    </dgm:fillClrLst>
+    <dgm:linClrLst meth="repeat">
+      <a:schemeClr val="accent1"/>
+    </dgm:linClrLst>
+    <dgm:effectClrLst/>
+    <dgm:txLinClrLst/>
+    <dgm:txFillClrLst meth="repeat">
+      <a:schemeClr val="dk1"/>
+    </dgm:txFillClrLst>
+    <dgm:txEffectClrLst/>
+  </dgm:styleLbl>
+  <dgm:styleLbl name="fgAcc3">
+    <dgm:fillClrLst meth="repeat">
+      <a:schemeClr val="lt1">
+        <a:alpha val="90000"/>
+      </a:schemeClr>
+    </dgm:fillClrLst>
+    <dgm:linClrLst meth="repeat">
+      <a:schemeClr val="accent1"/>
+    </dgm:linClrLst>
+    <dgm:effectClrLst/>
+    <dgm:txLinClrLst/>
+    <dgm:txFillClrLst meth="repeat">
+      <a:schemeClr val="dk1"/>
+    </dgm:txFillClrLst>
+    <dgm:txEffectClrLst/>
+  </dgm:styleLbl>
+  <dgm:styleLbl name="fgAcc4">
+    <dgm:fillClrLst meth="repeat">
+      <a:schemeClr val="lt1">
+        <a:alpha val="90000"/>
+      </a:schemeClr>
+    </dgm:fillClrLst>
+    <dgm:linClrLst meth="repeat">
+      <a:schemeClr val="accent1"/>
+    </dgm:linClrLst>
+    <dgm:effectClrLst/>
+    <dgm:txLinClrLst/>
+    <dgm:txFillClrLst meth="repeat">
+      <a:schemeClr val="dk1"/>
+    </dgm:txFillClrLst>
+    <dgm:txEffectClrLst/>
+  </dgm:styleLbl>
+  <dgm:styleLbl name="bgShp">
+    <dgm:fillClrLst meth="repeat">
+      <a:schemeClr val="accent1">
+        <a:tint val="40000"/>
+      </a:schemeClr>
+    </dgm:fillClrLst>
+    <dgm:linClrLst meth="repeat">
+      <a:schemeClr val="accent1"/>
+    </dgm:linClrLst>
+    <dgm:effectClrLst/>
+    <dgm:txLinClrLst/>
+    <dgm:txFillClrLst meth="repeat">
+      <a:schemeClr val="dk1"/>
+    </dgm:txFillClrLst>
+    <dgm:txEffectClrLst/>
+  </dgm:styleLbl>
+  <dgm:styleLbl name="dkBgShp">
+    <dgm:fillClrLst meth="repeat">
+      <a:schemeClr val="accent1">
+        <a:shade val="80000"/>
+      </a:schemeClr>
+    </dgm:fillClrLst>
+    <dgm:linClrLst meth="repeat">
+      <a:schemeClr val="accent1"/>
+    </dgm:linClrLst>
+    <dgm:effectClrLst/>
+    <dgm:txLinClrLst/>
+    <dgm:txFillClrLst meth="repeat">
+      <a:schemeClr val="lt1"/>
+    </dgm:txFillClrLst>
+    <dgm:txEffectClrLst/>
+  </dgm:styleLbl>
+  <dgm:styleLbl name="trBgShp">
+    <dgm:fillClrLst meth="repeat">
+      <a:schemeClr val="accent1">
+        <a:tint val="50000"/>
+        <a:alpha val="40000"/>
+      </a:schemeClr>
+    </dgm:fillClrLst>
+    <dgm:linClrLst meth="repeat">
+      <a:schemeClr val="accent1"/>
+    </dgm:linClrLst>
+    <dgm:effectClrLst/>
+    <dgm:txLinClrLst/>
+    <dgm:txFillClrLst meth="repeat">
+      <a:schemeClr val="lt1"/>
+    </dgm:txFillClrLst>
+    <dgm:txEffectClrLst/>
+  </dgm:styleLbl>
+  <dgm:styleLbl name="fgShp">
+    <dgm:fillClrLst meth="repeat">
+      <a:schemeClr val="accent1">
+        <a:tint val="60000"/>
+      </a:schemeClr>
+    </dgm:fillClrLst>
+    <dgm:linClrLst meth="repeat">
+      <a:schemeClr val="lt1"/>
+    </dgm:linClrLst>
+    <dgm:effectClrLst/>
+    <dgm:txLinClrLst/>
+    <dgm:txFillClrLst meth="repeat">
+      <a:schemeClr val="dk1"/>
+    </dgm:txFillClrLst>
+    <dgm:txEffectClrLst/>
+  </dgm:styleLbl>
+  <dgm:styleLbl name="revTx">
+    <dgm:fillClrLst meth="repeat">
+      <a:schemeClr val="lt1">
+        <a:alpha val="0"/>
+      </a:schemeClr>
+    </dgm:fillClrLst>
+    <dgm:linClrLst meth="repeat">
+      <a:schemeClr val="dk1">
+        <a:alpha val="0"/>
+      </a:schemeClr>
+    </dgm:linClrLst>
+    <dgm:effectClrLst/>
+    <dgm:txLinClrLst/>
+    <dgm:txFillClrLst meth="repeat">
+      <a:schemeClr val="tx1"/>
+    </dgm:txFillClrLst>
+    <dgm:txEffectClrLst/>
+  </dgm:styleLbl>
+</dgm:colorsDef>
+</file>
+
+<file path=ppt/diagrams/data1.xml><?xml version="1.0" encoding="utf-8"?>
+<dgm:dataModel xmlns:dgm="http://schemas.openxmlformats.org/drawingml/2006/diagram" xmlns:a="http://schemas.openxmlformats.org/drawingml/2006/main">
+  <dgm:ptLst>
+    <dgm:pt modelId="{19FD8C2B-AE19-42BF-92E7-F456C0D3C8B9}" type="doc">
+      <dgm:prSet loTypeId="urn:microsoft.com/office/officeart/2005/8/layout/default" loCatId="list" qsTypeId="urn:microsoft.com/office/officeart/2005/8/quickstyle/simple1" qsCatId="simple" csTypeId="urn:microsoft.com/office/officeart/2005/8/colors/accent1_2" csCatId="accent1" phldr="1"/>
+      <dgm:spPr/>
+      <dgm:t>
+        <a:bodyPr/>
+        <a:lstStyle/>
+        <a:p>
+          <a:endParaRPr lang="ru-RU"/>
+        </a:p>
+      </dgm:t>
+    </dgm:pt>
+    <dgm:pt modelId="{81056395-7C43-4001-BA95-07AE9BFFB2D1}">
+      <dgm:prSet phldrT="[Текст]" custT="1"/>
+      <dgm:spPr/>
+      <dgm:t>
+        <a:bodyPr/>
+        <a:lstStyle/>
+        <a:p>
+          <a:r>
+            <a:rPr lang="ru-RU" sz="2000" baseline="0" dirty="0" smtClean="0"/>
+            <a:t>Поиск </a:t>
+          </a:r>
+          <a:r>
+            <a:rPr lang="ru-RU" sz="2000" baseline="0" dirty="0" err="1" smtClean="0"/>
+            <a:t>веб-сервисов</a:t>
+          </a:r>
+          <a:endParaRPr lang="ru-RU" sz="2000" baseline="0" dirty="0" smtClean="0"/>
+        </a:p>
+        <a:p>
+          <a:r>
+            <a:rPr lang="en-US" sz="2000" baseline="0" dirty="0" smtClean="0"/>
+            <a:t>UDDI</a:t>
+          </a:r>
+          <a:endParaRPr lang="ru-RU" sz="2000" baseline="0" dirty="0" smtClean="0"/>
+        </a:p>
+      </dgm:t>
+    </dgm:pt>
+    <dgm:pt modelId="{0E422241-8EE3-43C6-A352-4589F7BB9406}" type="parTrans" cxnId="{6312F11F-F1C0-4AE6-81F2-136D7B6C42C8}">
+      <dgm:prSet/>
+      <dgm:spPr/>
+      <dgm:t>
+        <a:bodyPr/>
+        <a:lstStyle/>
+        <a:p>
+          <a:endParaRPr lang="ru-RU"/>
+        </a:p>
+      </dgm:t>
+    </dgm:pt>
+    <dgm:pt modelId="{F8BFABAC-D62A-42A0-910D-917C897A5D31}" type="sibTrans" cxnId="{6312F11F-F1C0-4AE6-81F2-136D7B6C42C8}">
+      <dgm:prSet/>
+      <dgm:spPr/>
+      <dgm:t>
+        <a:bodyPr/>
+        <a:lstStyle/>
+        <a:p>
+          <a:endParaRPr lang="ru-RU"/>
+        </a:p>
+      </dgm:t>
+    </dgm:pt>
+    <dgm:pt modelId="{19B57663-5FBF-4F1D-8486-1D067CC8EEE1}">
+      <dgm:prSet phldrT="[Текст]" custT="1"/>
+      <dgm:spPr/>
+      <dgm:t>
+        <a:bodyPr/>
+        <a:lstStyle/>
+        <a:p>
+          <a:endParaRPr lang="en-US" sz="2000" baseline="0" dirty="0" smtClean="0"/>
+        </a:p>
+        <a:p>
+          <a:r>
+            <a:rPr lang="ru-RU" sz="2000" baseline="0" dirty="0" smtClean="0"/>
+            <a:t>Описание </a:t>
+          </a:r>
+          <a:r>
+            <a:rPr lang="ru-RU" sz="2000" baseline="0" dirty="0" err="1" smtClean="0"/>
+            <a:t>веб-сервисов</a:t>
+          </a:r>
+          <a:endParaRPr lang="ru-RU" sz="2000" baseline="0" dirty="0" smtClean="0"/>
+        </a:p>
+        <a:p>
+          <a:r>
+            <a:rPr lang="en-US" sz="2000" baseline="0" dirty="0" smtClean="0"/>
+            <a:t>WSDL</a:t>
+          </a:r>
+          <a:endParaRPr lang="ru-RU" sz="2000" baseline="0" dirty="0" smtClean="0"/>
+        </a:p>
+        <a:p>
+          <a:endParaRPr lang="ru-RU" sz="2000" baseline="0" dirty="0"/>
+        </a:p>
+      </dgm:t>
+    </dgm:pt>
+    <dgm:pt modelId="{52A18DD8-EBE1-4114-AADD-40C27B751AFA}" type="parTrans" cxnId="{A1A1B275-B43D-499E-B9DD-8D9C1CB20860}">
+      <dgm:prSet/>
+      <dgm:spPr/>
+      <dgm:t>
+        <a:bodyPr/>
+        <a:lstStyle/>
+        <a:p>
+          <a:endParaRPr lang="ru-RU"/>
+        </a:p>
+      </dgm:t>
+    </dgm:pt>
+    <dgm:pt modelId="{D86DD544-4AF1-4CBC-B922-D687A2F545B5}" type="sibTrans" cxnId="{A1A1B275-B43D-499E-B9DD-8D9C1CB20860}">
+      <dgm:prSet/>
+      <dgm:spPr/>
+      <dgm:t>
+        <a:bodyPr/>
+        <a:lstStyle/>
+        <a:p>
+          <a:endParaRPr lang="ru-RU"/>
+        </a:p>
+      </dgm:t>
+    </dgm:pt>
+    <dgm:pt modelId="{0A369456-946D-4D6A-B5EB-F4E665F3CAD7}">
+      <dgm:prSet phldrT="[Текст]" custT="1"/>
+      <dgm:spPr/>
+      <dgm:t>
+        <a:bodyPr/>
+        <a:lstStyle/>
+        <a:p>
+          <a:r>
+            <a:rPr lang="ru-RU" sz="2000" baseline="0" dirty="0" smtClean="0"/>
+            <a:t>Вызов </a:t>
+          </a:r>
+          <a:r>
+            <a:rPr lang="ru-RU" sz="2000" baseline="0" dirty="0" err="1" smtClean="0"/>
+            <a:t>веб-сервисов</a:t>
+          </a:r>
+          <a:endParaRPr lang="ru-RU" sz="2000" baseline="0" dirty="0" smtClean="0"/>
+        </a:p>
+        <a:p>
+          <a:r>
+            <a:rPr lang="en-US" sz="2000" baseline="0" dirty="0" smtClean="0"/>
+            <a:t>SOAP</a:t>
+          </a:r>
+          <a:endParaRPr lang="ru-RU" sz="2000" baseline="0" dirty="0"/>
+        </a:p>
+      </dgm:t>
+    </dgm:pt>
+    <dgm:pt modelId="{42811867-8241-4CD8-BCCF-1A94C957A468}" type="parTrans" cxnId="{CA327161-250B-4E13-8B51-0812415530CD}">
+      <dgm:prSet/>
+      <dgm:spPr/>
+      <dgm:t>
+        <a:bodyPr/>
+        <a:lstStyle/>
+        <a:p>
+          <a:endParaRPr lang="ru-RU"/>
+        </a:p>
+      </dgm:t>
+    </dgm:pt>
+    <dgm:pt modelId="{750EE49A-5BFB-4B9E-B011-AC97FD530925}" type="sibTrans" cxnId="{CA327161-250B-4E13-8B51-0812415530CD}">
+      <dgm:prSet/>
+      <dgm:spPr/>
+      <dgm:t>
+        <a:bodyPr/>
+        <a:lstStyle/>
+        <a:p>
+          <a:endParaRPr lang="ru-RU"/>
+        </a:p>
+      </dgm:t>
+    </dgm:pt>
+    <dgm:pt modelId="{C2F69325-CD96-4DEB-84BE-708A9907EE82}">
+      <dgm:prSet phldrT="[Текст]" custT="1"/>
+      <dgm:spPr/>
+      <dgm:t>
+        <a:bodyPr/>
+        <a:lstStyle/>
+        <a:p>
+          <a:r>
+            <a:rPr lang="ru-RU" sz="2000" baseline="0" dirty="0" smtClean="0"/>
+            <a:t>Представление данных</a:t>
+          </a:r>
+        </a:p>
+        <a:p>
+          <a:r>
+            <a:rPr lang="en-US" sz="2000" baseline="0" dirty="0" smtClean="0"/>
+            <a:t>XML, XML </a:t>
+          </a:r>
+          <a:r>
+            <a:rPr lang="ru-RU" sz="2000" baseline="0" dirty="0" smtClean="0"/>
+            <a:t>схема</a:t>
+          </a:r>
+        </a:p>
+      </dgm:t>
+    </dgm:pt>
+    <dgm:pt modelId="{DAE227AF-3533-4A4F-9B1C-24897F39EE3D}" type="parTrans" cxnId="{3476AD80-F618-4BA3-BFC3-B4DA652F4B5A}">
+      <dgm:prSet/>
+      <dgm:spPr/>
+      <dgm:t>
+        <a:bodyPr/>
+        <a:lstStyle/>
+        <a:p>
+          <a:endParaRPr lang="ru-RU"/>
+        </a:p>
+      </dgm:t>
+    </dgm:pt>
+    <dgm:pt modelId="{189686E3-5EAA-4DA7-AF64-DA2AF8B97493}" type="sibTrans" cxnId="{3476AD80-F618-4BA3-BFC3-B4DA652F4B5A}">
+      <dgm:prSet/>
+      <dgm:spPr/>
+      <dgm:t>
+        <a:bodyPr/>
+        <a:lstStyle/>
+        <a:p>
+          <a:endParaRPr lang="ru-RU"/>
+        </a:p>
+      </dgm:t>
+    </dgm:pt>
+    <dgm:pt modelId="{1D7836CC-99D4-4E84-B5DF-85A020D02C2A}">
+      <dgm:prSet phldrT="[Текст]" custT="1"/>
+      <dgm:spPr/>
+      <dgm:t>
+        <a:bodyPr/>
+        <a:lstStyle/>
+        <a:p>
+          <a:r>
+            <a:rPr lang="ru-RU" sz="2000" baseline="0" dirty="0" smtClean="0"/>
+            <a:t>Транспорт</a:t>
+          </a:r>
+        </a:p>
+        <a:p>
+          <a:r>
+            <a:rPr lang="en-US" sz="2000" baseline="0" dirty="0" smtClean="0"/>
+            <a:t>HTTP, SMTP</a:t>
+          </a:r>
+          <a:endParaRPr lang="ru-RU" sz="2000" baseline="0" dirty="0"/>
+        </a:p>
+      </dgm:t>
+    </dgm:pt>
+    <dgm:pt modelId="{23144F34-8031-46D4-9E54-C578BF68D44E}" type="parTrans" cxnId="{C194AEC8-5EF4-4ABF-B8F0-193B36FA7689}">
+      <dgm:prSet/>
+      <dgm:spPr/>
+      <dgm:t>
+        <a:bodyPr/>
+        <a:lstStyle/>
+        <a:p>
+          <a:endParaRPr lang="ru-RU"/>
+        </a:p>
+      </dgm:t>
+    </dgm:pt>
+    <dgm:pt modelId="{0672F0B2-BBF6-4BF4-B77A-B49F403F37E2}" type="sibTrans" cxnId="{C194AEC8-5EF4-4ABF-B8F0-193B36FA7689}">
+      <dgm:prSet/>
+      <dgm:spPr/>
+      <dgm:t>
+        <a:bodyPr/>
+        <a:lstStyle/>
+        <a:p>
+          <a:endParaRPr lang="ru-RU"/>
+        </a:p>
+      </dgm:t>
+    </dgm:pt>
+    <dgm:pt modelId="{D697F011-3E7D-49F6-B52B-70CD4F3BD78A}" type="pres">
+      <dgm:prSet presAssocID="{19FD8C2B-AE19-42BF-92E7-F456C0D3C8B9}" presName="diagram" presStyleCnt="0">
+        <dgm:presLayoutVars>
+          <dgm:dir/>
+          <dgm:resizeHandles val="exact"/>
+        </dgm:presLayoutVars>
+      </dgm:prSet>
+      <dgm:spPr/>
+    </dgm:pt>
+    <dgm:pt modelId="{73C8967A-A94A-4F6C-AFC5-3E728C8CE415}" type="pres">
+      <dgm:prSet presAssocID="{81056395-7C43-4001-BA95-07AE9BFFB2D1}" presName="node" presStyleLbl="node1" presStyleIdx="0" presStyleCnt="5" custScaleX="166839" custScaleY="47972">
+        <dgm:presLayoutVars>
+          <dgm:bulletEnabled val="1"/>
+        </dgm:presLayoutVars>
+      </dgm:prSet>
+      <dgm:spPr/>
+      <dgm:t>
+        <a:bodyPr/>
+        <a:lstStyle/>
+        <a:p>
+          <a:endParaRPr lang="ru-RU"/>
+        </a:p>
+      </dgm:t>
+    </dgm:pt>
+    <dgm:pt modelId="{F458FF74-8C8D-4285-93E9-467DBC92A792}" type="pres">
+      <dgm:prSet presAssocID="{F8BFABAC-D62A-42A0-910D-917C897A5D31}" presName="sibTrans" presStyleCnt="0"/>
+      <dgm:spPr/>
+    </dgm:pt>
+    <dgm:pt modelId="{277E4EBD-11C7-4258-837F-9C231A417A2B}" type="pres">
+      <dgm:prSet presAssocID="{19B57663-5FBF-4F1D-8486-1D067CC8EEE1}" presName="node" presStyleLbl="node1" presStyleIdx="1" presStyleCnt="5" custScaleX="166839" custScaleY="47972">
+        <dgm:presLayoutVars>
+          <dgm:bulletEnabled val="1"/>
+        </dgm:presLayoutVars>
+      </dgm:prSet>
+      <dgm:spPr/>
+      <dgm:t>
+        <a:bodyPr/>
+        <a:lstStyle/>
+        <a:p>
+          <a:endParaRPr lang="ru-RU"/>
+        </a:p>
+      </dgm:t>
+    </dgm:pt>
+    <dgm:pt modelId="{9F20D24B-401A-4BC3-B828-62BB7BD72533}" type="pres">
+      <dgm:prSet presAssocID="{D86DD544-4AF1-4CBC-B922-D687A2F545B5}" presName="sibTrans" presStyleCnt="0"/>
+      <dgm:spPr/>
+    </dgm:pt>
+    <dgm:pt modelId="{38D2A121-97B0-4190-B4C3-78EF7E1EDD42}" type="pres">
+      <dgm:prSet presAssocID="{0A369456-946D-4D6A-B5EB-F4E665F3CAD7}" presName="node" presStyleLbl="node1" presStyleIdx="2" presStyleCnt="5" custScaleX="166839" custScaleY="47972">
+        <dgm:presLayoutVars>
+          <dgm:bulletEnabled val="1"/>
+        </dgm:presLayoutVars>
+      </dgm:prSet>
+      <dgm:spPr/>
+      <dgm:t>
+        <a:bodyPr/>
+        <a:lstStyle/>
+        <a:p>
+          <a:endParaRPr lang="ru-RU"/>
+        </a:p>
+      </dgm:t>
+    </dgm:pt>
+    <dgm:pt modelId="{13573C0C-0CEA-4170-9BDC-5C4C7A5279DF}" type="pres">
+      <dgm:prSet presAssocID="{750EE49A-5BFB-4B9E-B011-AC97FD530925}" presName="sibTrans" presStyleCnt="0"/>
+      <dgm:spPr/>
+    </dgm:pt>
+    <dgm:pt modelId="{F1619935-94D5-43F9-98E8-8A3773018C09}" type="pres">
+      <dgm:prSet presAssocID="{C2F69325-CD96-4DEB-84BE-708A9907EE82}" presName="node" presStyleLbl="node1" presStyleIdx="3" presStyleCnt="5" custScaleX="166839" custScaleY="47972">
+        <dgm:presLayoutVars>
+          <dgm:bulletEnabled val="1"/>
+        </dgm:presLayoutVars>
+      </dgm:prSet>
+      <dgm:spPr/>
+      <dgm:t>
+        <a:bodyPr/>
+        <a:lstStyle/>
+        <a:p>
+          <a:endParaRPr lang="ru-RU"/>
+        </a:p>
+      </dgm:t>
+    </dgm:pt>
+    <dgm:pt modelId="{8638898A-8CCF-4229-8730-7F7EBAE036C5}" type="pres">
+      <dgm:prSet presAssocID="{189686E3-5EAA-4DA7-AF64-DA2AF8B97493}" presName="sibTrans" presStyleCnt="0"/>
+      <dgm:spPr/>
+    </dgm:pt>
+    <dgm:pt modelId="{552FFE1E-A0BF-4A92-96B3-37F492BB10E8}" type="pres">
+      <dgm:prSet presAssocID="{1D7836CC-99D4-4E84-B5DF-85A020D02C2A}" presName="node" presStyleLbl="node1" presStyleIdx="4" presStyleCnt="5" custScaleX="166839" custScaleY="47972">
+        <dgm:presLayoutVars>
+          <dgm:bulletEnabled val="1"/>
+        </dgm:presLayoutVars>
+      </dgm:prSet>
+      <dgm:spPr/>
+      <dgm:t>
+        <a:bodyPr/>
+        <a:lstStyle/>
+        <a:p>
+          <a:endParaRPr lang="ru-RU"/>
+        </a:p>
+      </dgm:t>
+    </dgm:pt>
+  </dgm:ptLst>
+  <dgm:cxnLst>
+    <dgm:cxn modelId="{D36ED61F-35C1-41C1-8F0C-A50F3E2D9346}" type="presOf" srcId="{C2F69325-CD96-4DEB-84BE-708A9907EE82}" destId="{F1619935-94D5-43F9-98E8-8A3773018C09}" srcOrd="0" destOrd="0" presId="urn:microsoft.com/office/officeart/2005/8/layout/default"/>
+    <dgm:cxn modelId="{6312F11F-F1C0-4AE6-81F2-136D7B6C42C8}" srcId="{19FD8C2B-AE19-42BF-92E7-F456C0D3C8B9}" destId="{81056395-7C43-4001-BA95-07AE9BFFB2D1}" srcOrd="0" destOrd="0" parTransId="{0E422241-8EE3-43C6-A352-4589F7BB9406}" sibTransId="{F8BFABAC-D62A-42A0-910D-917C897A5D31}"/>
+    <dgm:cxn modelId="{25BE5D77-8A88-4574-8785-4C5E6DE338CE}" type="presOf" srcId="{1D7836CC-99D4-4E84-B5DF-85A020D02C2A}" destId="{552FFE1E-A0BF-4A92-96B3-37F492BB10E8}" srcOrd="0" destOrd="0" presId="urn:microsoft.com/office/officeart/2005/8/layout/default"/>
+    <dgm:cxn modelId="{13C7B4AF-3100-4849-BA0E-3E6D96DEE7AF}" type="presOf" srcId="{0A369456-946D-4D6A-B5EB-F4E665F3CAD7}" destId="{38D2A121-97B0-4190-B4C3-78EF7E1EDD42}" srcOrd="0" destOrd="0" presId="urn:microsoft.com/office/officeart/2005/8/layout/default"/>
+    <dgm:cxn modelId="{A1A1B275-B43D-499E-B9DD-8D9C1CB20860}" srcId="{19FD8C2B-AE19-42BF-92E7-F456C0D3C8B9}" destId="{19B57663-5FBF-4F1D-8486-1D067CC8EEE1}" srcOrd="1" destOrd="0" parTransId="{52A18DD8-EBE1-4114-AADD-40C27B751AFA}" sibTransId="{D86DD544-4AF1-4CBC-B922-D687A2F545B5}"/>
+    <dgm:cxn modelId="{3476AD80-F618-4BA3-BFC3-B4DA652F4B5A}" srcId="{19FD8C2B-AE19-42BF-92E7-F456C0D3C8B9}" destId="{C2F69325-CD96-4DEB-84BE-708A9907EE82}" srcOrd="3" destOrd="0" parTransId="{DAE227AF-3533-4A4F-9B1C-24897F39EE3D}" sibTransId="{189686E3-5EAA-4DA7-AF64-DA2AF8B97493}"/>
+    <dgm:cxn modelId="{CA327161-250B-4E13-8B51-0812415530CD}" srcId="{19FD8C2B-AE19-42BF-92E7-F456C0D3C8B9}" destId="{0A369456-946D-4D6A-B5EB-F4E665F3CAD7}" srcOrd="2" destOrd="0" parTransId="{42811867-8241-4CD8-BCCF-1A94C957A468}" sibTransId="{750EE49A-5BFB-4B9E-B011-AC97FD530925}"/>
+    <dgm:cxn modelId="{9A116ECC-2FC2-4EA2-A417-953D0A151143}" type="presOf" srcId="{19B57663-5FBF-4F1D-8486-1D067CC8EEE1}" destId="{277E4EBD-11C7-4258-837F-9C231A417A2B}" srcOrd="0" destOrd="0" presId="urn:microsoft.com/office/officeart/2005/8/layout/default"/>
+    <dgm:cxn modelId="{1D14C8B3-41ED-4F94-9193-DFB2E4AAD572}" type="presOf" srcId="{19FD8C2B-AE19-42BF-92E7-F456C0D3C8B9}" destId="{D697F011-3E7D-49F6-B52B-70CD4F3BD78A}" srcOrd="0" destOrd="0" presId="urn:microsoft.com/office/officeart/2005/8/layout/default"/>
+    <dgm:cxn modelId="{5CE6E48B-7AD5-4243-B761-B21C156E562D}" type="presOf" srcId="{81056395-7C43-4001-BA95-07AE9BFFB2D1}" destId="{73C8967A-A94A-4F6C-AFC5-3E728C8CE415}" srcOrd="0" destOrd="0" presId="urn:microsoft.com/office/officeart/2005/8/layout/default"/>
+    <dgm:cxn modelId="{C194AEC8-5EF4-4ABF-B8F0-193B36FA7689}" srcId="{19FD8C2B-AE19-42BF-92E7-F456C0D3C8B9}" destId="{1D7836CC-99D4-4E84-B5DF-85A020D02C2A}" srcOrd="4" destOrd="0" parTransId="{23144F34-8031-46D4-9E54-C578BF68D44E}" sibTransId="{0672F0B2-BBF6-4BF4-B77A-B49F403F37E2}"/>
+    <dgm:cxn modelId="{3E3A4311-F577-44DE-95A2-29F63AF45AD0}" type="presParOf" srcId="{D697F011-3E7D-49F6-B52B-70CD4F3BD78A}" destId="{73C8967A-A94A-4F6C-AFC5-3E728C8CE415}" srcOrd="0" destOrd="0" presId="urn:microsoft.com/office/officeart/2005/8/layout/default"/>
+    <dgm:cxn modelId="{787AB81F-5CA6-43A3-A2A2-99E0A5CAF273}" type="presParOf" srcId="{D697F011-3E7D-49F6-B52B-70CD4F3BD78A}" destId="{F458FF74-8C8D-4285-93E9-467DBC92A792}" srcOrd="1" destOrd="0" presId="urn:microsoft.com/office/officeart/2005/8/layout/default"/>
+    <dgm:cxn modelId="{5DC3ACCF-02ED-468C-A05E-B598780A35CD}" type="presParOf" srcId="{D697F011-3E7D-49F6-B52B-70CD4F3BD78A}" destId="{277E4EBD-11C7-4258-837F-9C231A417A2B}" srcOrd="2" destOrd="0" presId="urn:microsoft.com/office/officeart/2005/8/layout/default"/>
+    <dgm:cxn modelId="{CAA2432F-F1B2-497B-9463-8EFF409420C8}" type="presParOf" srcId="{D697F011-3E7D-49F6-B52B-70CD4F3BD78A}" destId="{9F20D24B-401A-4BC3-B828-62BB7BD72533}" srcOrd="3" destOrd="0" presId="urn:microsoft.com/office/officeart/2005/8/layout/default"/>
+    <dgm:cxn modelId="{2B2A2087-50EA-49C2-B219-2F3BE371E849}" type="presParOf" srcId="{D697F011-3E7D-49F6-B52B-70CD4F3BD78A}" destId="{38D2A121-97B0-4190-B4C3-78EF7E1EDD42}" srcOrd="4" destOrd="0" presId="urn:microsoft.com/office/officeart/2005/8/layout/default"/>
+    <dgm:cxn modelId="{95EC5019-222C-4802-9BDA-B291E50BA2A0}" type="presParOf" srcId="{D697F011-3E7D-49F6-B52B-70CD4F3BD78A}" destId="{13573C0C-0CEA-4170-9BDC-5C4C7A5279DF}" srcOrd="5" destOrd="0" presId="urn:microsoft.com/office/officeart/2005/8/layout/default"/>
+    <dgm:cxn modelId="{F6C4E498-F571-4804-8E56-A45E1DD40B54}" type="presParOf" srcId="{D697F011-3E7D-49F6-B52B-70CD4F3BD78A}" destId="{F1619935-94D5-43F9-98E8-8A3773018C09}" srcOrd="6" destOrd="0" presId="urn:microsoft.com/office/officeart/2005/8/layout/default"/>
+    <dgm:cxn modelId="{2FBEA0C0-E35B-417E-BEBD-09FCDC93F4D4}" type="presParOf" srcId="{D697F011-3E7D-49F6-B52B-70CD4F3BD78A}" destId="{8638898A-8CCF-4229-8730-7F7EBAE036C5}" srcOrd="7" destOrd="0" presId="urn:microsoft.com/office/officeart/2005/8/layout/default"/>
+    <dgm:cxn modelId="{43848285-EFB9-4F36-99AF-0DA823EC22B6}" type="presParOf" srcId="{D697F011-3E7D-49F6-B52B-70CD4F3BD78A}" destId="{552FFE1E-A0BF-4A92-96B3-37F492BB10E8}" srcOrd="8" destOrd="0" presId="urn:microsoft.com/office/officeart/2005/8/layout/default"/>
+  </dgm:cxnLst>
+  <dgm:bg/>
+  <dgm:whole/>
+  <dgm:extLst>
+    <a:ext uri="http://schemas.microsoft.com/office/drawing/2008/diagram">
+      <dsp:dataModelExt xmlns:dsp="http://schemas.microsoft.com/office/drawing/2008/diagram" xmlns="" relId="rId6" minVer="http://schemas.openxmlformats.org/drawingml/2006/diagram"/>
+    </a:ext>
+  </dgm:extLst>
+</dgm:dataModel>
+</file>
+
+<file path=ppt/diagrams/drawing1.xml><?xml version="1.0" encoding="utf-8"?>
+<dsp:drawing xmlns:dgm="http://schemas.openxmlformats.org/drawingml/2006/diagram" xmlns:a="http://schemas.openxmlformats.org/drawingml/2006/main" xmlns:dsp="http://schemas.microsoft.com/office/drawing/2008/diagram">
+  <dsp:spTree>
+    <dsp:nvGrpSpPr>
+      <dsp:cNvPr id="0" name=""/>
+      <dsp:cNvGrpSpPr/>
+    </dsp:nvGrpSpPr>
+    <dsp:grpSpPr/>
+    <dsp:sp modelId="{73C8967A-A94A-4F6C-AFC5-3E728C8CE415}">
+      <dsp:nvSpPr>
+        <dsp:cNvPr id="0" name=""/>
+        <dsp:cNvSpPr/>
+      </dsp:nvSpPr>
+      <dsp:spPr>
+        <a:xfrm>
+          <a:off x="271968" y="164"/>
+          <a:ext cx="5552063" cy="957846"/>
+        </a:xfrm>
+        <a:prstGeom prst="rect">
+          <a:avLst/>
+        </a:prstGeom>
+        <a:solidFill>
+          <a:schemeClr val="accent1">
+            <a:hueOff val="0"/>
+            <a:satOff val="0"/>
+            <a:lumOff val="0"/>
+            <a:alphaOff val="0"/>
+          </a:schemeClr>
+        </a:solidFill>
+        <a:ln w="25400" cap="flat" cmpd="sng" algn="ctr">
+          <a:solidFill>
+            <a:schemeClr val="lt1">
+              <a:hueOff val="0"/>
+              <a:satOff val="0"/>
+              <a:lumOff val="0"/>
+              <a:alphaOff val="0"/>
+            </a:schemeClr>
+          </a:solidFill>
+          <a:prstDash val="solid"/>
+        </a:ln>
+        <a:effectLst/>
+      </dsp:spPr>
+      <dsp:style>
+        <a:lnRef idx="2">
+          <a:scrgbClr r="0" g="0" b="0"/>
+        </a:lnRef>
+        <a:fillRef idx="1">
+          <a:scrgbClr r="0" g="0" b="0"/>
+        </a:fillRef>
+        <a:effectRef idx="0">
+          <a:scrgbClr r="0" g="0" b="0"/>
+        </a:effectRef>
+        <a:fontRef idx="minor">
+          <a:schemeClr val="lt1"/>
+        </a:fontRef>
+      </dsp:style>
+      <dsp:txBody>
+        <a:bodyPr spcFirstLastPara="0" vert="horz" wrap="square" lIns="76200" tIns="76200" rIns="76200" bIns="76200" numCol="1" spcCol="1270" anchor="ctr" anchorCtr="0">
+          <a:noAutofit/>
+        </a:bodyPr>
+        <a:lstStyle/>
+        <a:p>
+          <a:pPr lvl="0" algn="ctr" defTabSz="889000">
+            <a:lnSpc>
+              <a:spcPct val="90000"/>
+            </a:lnSpc>
+            <a:spcBef>
+              <a:spcPct val="0"/>
+            </a:spcBef>
+            <a:spcAft>
+              <a:spcPct val="35000"/>
+            </a:spcAft>
+          </a:pPr>
+          <a:r>
+            <a:rPr lang="ru-RU" sz="2000" kern="1200" baseline="0" dirty="0" smtClean="0"/>
+            <a:t>Поиск </a:t>
+          </a:r>
+          <a:r>
+            <a:rPr lang="ru-RU" sz="2000" kern="1200" baseline="0" dirty="0" err="1" smtClean="0"/>
+            <a:t>веб-сервисов</a:t>
+          </a:r>
+          <a:endParaRPr lang="ru-RU" sz="2000" kern="1200" baseline="0" dirty="0" smtClean="0"/>
+        </a:p>
+        <a:p>
+          <a:pPr lvl="0" algn="ctr" defTabSz="889000">
+            <a:lnSpc>
+              <a:spcPct val="90000"/>
+            </a:lnSpc>
+            <a:spcBef>
+              <a:spcPct val="0"/>
+            </a:spcBef>
+            <a:spcAft>
+              <a:spcPct val="35000"/>
+            </a:spcAft>
+          </a:pPr>
+          <a:r>
+            <a:rPr lang="en-US" sz="2000" kern="1200" baseline="0" dirty="0" smtClean="0"/>
+            <a:t>UDDI</a:t>
+          </a:r>
+          <a:endParaRPr lang="ru-RU" sz="2000" kern="1200" baseline="0" dirty="0" smtClean="0"/>
+        </a:p>
+      </dsp:txBody>
+      <dsp:txXfrm>
+        <a:off x="271968" y="164"/>
+        <a:ext cx="5552063" cy="957846"/>
+      </dsp:txXfrm>
+    </dsp:sp>
+    <dsp:sp modelId="{277E4EBD-11C7-4258-837F-9C231A417A2B}">
+      <dsp:nvSpPr>
+        <dsp:cNvPr id="0" name=""/>
+        <dsp:cNvSpPr/>
+      </dsp:nvSpPr>
+      <dsp:spPr>
+        <a:xfrm>
+          <a:off x="271968" y="1290790"/>
+          <a:ext cx="5552063" cy="957846"/>
+        </a:xfrm>
+        <a:prstGeom prst="rect">
+          <a:avLst/>
+        </a:prstGeom>
+        <a:solidFill>
+          <a:schemeClr val="accent1">
+            <a:hueOff val="0"/>
+            <a:satOff val="0"/>
+            <a:lumOff val="0"/>
+            <a:alphaOff val="0"/>
+          </a:schemeClr>
+        </a:solidFill>
+        <a:ln w="25400" cap="flat" cmpd="sng" algn="ctr">
+          <a:solidFill>
+            <a:schemeClr val="lt1">
+              <a:hueOff val="0"/>
+              <a:satOff val="0"/>
+              <a:lumOff val="0"/>
+              <a:alphaOff val="0"/>
+            </a:schemeClr>
+          </a:solidFill>
+          <a:prstDash val="solid"/>
+        </a:ln>
+        <a:effectLst/>
+      </dsp:spPr>
+      <dsp:style>
+        <a:lnRef idx="2">
+          <a:scrgbClr r="0" g="0" b="0"/>
+        </a:lnRef>
+        <a:fillRef idx="1">
+          <a:scrgbClr r="0" g="0" b="0"/>
+        </a:fillRef>
+        <a:effectRef idx="0">
+          <a:scrgbClr r="0" g="0" b="0"/>
+        </a:effectRef>
+        <a:fontRef idx="minor">
+          <a:schemeClr val="lt1"/>
+        </a:fontRef>
+      </dsp:style>
+      <dsp:txBody>
+        <a:bodyPr spcFirstLastPara="0" vert="horz" wrap="square" lIns="76200" tIns="76200" rIns="76200" bIns="76200" numCol="1" spcCol="1270" anchor="ctr" anchorCtr="0">
+          <a:noAutofit/>
+        </a:bodyPr>
+        <a:lstStyle/>
+        <a:p>
+          <a:pPr lvl="0" algn="ctr" defTabSz="889000">
+            <a:lnSpc>
+              <a:spcPct val="90000"/>
+            </a:lnSpc>
+            <a:spcBef>
+              <a:spcPct val="0"/>
+            </a:spcBef>
+            <a:spcAft>
+              <a:spcPct val="35000"/>
+            </a:spcAft>
+          </a:pPr>
+          <a:endParaRPr lang="en-US" sz="2000" kern="1200" baseline="0" dirty="0" smtClean="0"/>
+        </a:p>
+        <a:p>
+          <a:pPr lvl="0" algn="ctr" defTabSz="889000">
+            <a:lnSpc>
+              <a:spcPct val="90000"/>
+            </a:lnSpc>
+            <a:spcBef>
+              <a:spcPct val="0"/>
+            </a:spcBef>
+            <a:spcAft>
+              <a:spcPct val="35000"/>
+            </a:spcAft>
+          </a:pPr>
+          <a:r>
+            <a:rPr lang="ru-RU" sz="2000" kern="1200" baseline="0" dirty="0" smtClean="0"/>
+            <a:t>Описание </a:t>
+          </a:r>
+          <a:r>
+            <a:rPr lang="ru-RU" sz="2000" kern="1200" baseline="0" dirty="0" err="1" smtClean="0"/>
+            <a:t>веб-сервисов</a:t>
+          </a:r>
+          <a:endParaRPr lang="ru-RU" sz="2000" kern="1200" baseline="0" dirty="0" smtClean="0"/>
+        </a:p>
+        <a:p>
+          <a:pPr lvl="0" algn="ctr" defTabSz="889000">
+            <a:lnSpc>
+              <a:spcPct val="90000"/>
+            </a:lnSpc>
+            <a:spcBef>
+              <a:spcPct val="0"/>
+            </a:spcBef>
+            <a:spcAft>
+              <a:spcPct val="35000"/>
+            </a:spcAft>
+          </a:pPr>
+          <a:r>
+            <a:rPr lang="en-US" sz="2000" kern="1200" baseline="0" dirty="0" smtClean="0"/>
+            <a:t>WSDL</a:t>
+          </a:r>
+          <a:endParaRPr lang="ru-RU" sz="2000" kern="1200" baseline="0" dirty="0" smtClean="0"/>
+        </a:p>
+        <a:p>
+          <a:pPr lvl="0" algn="ctr" defTabSz="889000">
+            <a:lnSpc>
+              <a:spcPct val="90000"/>
+            </a:lnSpc>
+            <a:spcBef>
+              <a:spcPct val="0"/>
+            </a:spcBef>
+            <a:spcAft>
+              <a:spcPct val="35000"/>
+            </a:spcAft>
+          </a:pPr>
+          <a:endParaRPr lang="ru-RU" sz="2000" kern="1200" baseline="0" dirty="0"/>
+        </a:p>
+      </dsp:txBody>
+      <dsp:txXfrm>
+        <a:off x="271968" y="1290790"/>
+        <a:ext cx="5552063" cy="957846"/>
+      </dsp:txXfrm>
+    </dsp:sp>
+    <dsp:sp modelId="{38D2A121-97B0-4190-B4C3-78EF7E1EDD42}">
+      <dsp:nvSpPr>
+        <dsp:cNvPr id="0" name=""/>
+        <dsp:cNvSpPr/>
+      </dsp:nvSpPr>
+      <dsp:spPr>
+        <a:xfrm>
+          <a:off x="271968" y="2581416"/>
+          <a:ext cx="5552063" cy="957846"/>
+        </a:xfrm>
+        <a:prstGeom prst="rect">
+          <a:avLst/>
+        </a:prstGeom>
+        <a:solidFill>
+          <a:schemeClr val="accent1">
+            <a:hueOff val="0"/>
+            <a:satOff val="0"/>
+            <a:lumOff val="0"/>
+            <a:alphaOff val="0"/>
+          </a:schemeClr>
+        </a:solidFill>
+        <a:ln w="25400" cap="flat" cmpd="sng" algn="ctr">
+          <a:solidFill>
+            <a:schemeClr val="lt1">
+              <a:hueOff val="0"/>
+              <a:satOff val="0"/>
+              <a:lumOff val="0"/>
+              <a:alphaOff val="0"/>
+            </a:schemeClr>
+          </a:solidFill>
+          <a:prstDash val="solid"/>
+        </a:ln>
+        <a:effectLst/>
+      </dsp:spPr>
+      <dsp:style>
+        <a:lnRef idx="2">
+          <a:scrgbClr r="0" g="0" b="0"/>
+        </a:lnRef>
+        <a:fillRef idx="1">
+          <a:scrgbClr r="0" g="0" b="0"/>
+        </a:fillRef>
+        <a:effectRef idx="0">
+          <a:scrgbClr r="0" g="0" b="0"/>
+        </a:effectRef>
+        <a:fontRef idx="minor">
+          <a:schemeClr val="lt1"/>
+        </a:fontRef>
+      </dsp:style>
+      <dsp:txBody>
+        <a:bodyPr spcFirstLastPara="0" vert="horz" wrap="square" lIns="76200" tIns="76200" rIns="76200" bIns="76200" numCol="1" spcCol="1270" anchor="ctr" anchorCtr="0">
+          <a:noAutofit/>
+        </a:bodyPr>
+        <a:lstStyle/>
+        <a:p>
+          <a:pPr lvl="0" algn="ctr" defTabSz="889000">
+            <a:lnSpc>
+              <a:spcPct val="90000"/>
+            </a:lnSpc>
+            <a:spcBef>
+              <a:spcPct val="0"/>
+            </a:spcBef>
+            <a:spcAft>
+              <a:spcPct val="35000"/>
+            </a:spcAft>
+          </a:pPr>
+          <a:r>
+            <a:rPr lang="ru-RU" sz="2000" kern="1200" baseline="0" dirty="0" smtClean="0"/>
+            <a:t>Вызов </a:t>
+          </a:r>
+          <a:r>
+            <a:rPr lang="ru-RU" sz="2000" kern="1200" baseline="0" dirty="0" err="1" smtClean="0"/>
+            <a:t>веб-сервисов</a:t>
+          </a:r>
+          <a:endParaRPr lang="ru-RU" sz="2000" kern="1200" baseline="0" dirty="0" smtClean="0"/>
+        </a:p>
+        <a:p>
+          <a:pPr lvl="0" algn="ctr" defTabSz="889000">
+            <a:lnSpc>
+              <a:spcPct val="90000"/>
+            </a:lnSpc>
+            <a:spcBef>
+              <a:spcPct val="0"/>
+            </a:spcBef>
+            <a:spcAft>
+              <a:spcPct val="35000"/>
+            </a:spcAft>
+          </a:pPr>
+          <a:r>
+            <a:rPr lang="en-US" sz="2000" kern="1200" baseline="0" dirty="0" smtClean="0"/>
+            <a:t>SOAP</a:t>
+          </a:r>
+          <a:endParaRPr lang="ru-RU" sz="2000" kern="1200" baseline="0" dirty="0"/>
+        </a:p>
+      </dsp:txBody>
+      <dsp:txXfrm>
+        <a:off x="271968" y="2581416"/>
+        <a:ext cx="5552063" cy="957846"/>
+      </dsp:txXfrm>
+    </dsp:sp>
+    <dsp:sp modelId="{F1619935-94D5-43F9-98E8-8A3773018C09}">
+      <dsp:nvSpPr>
+        <dsp:cNvPr id="0" name=""/>
+        <dsp:cNvSpPr/>
+      </dsp:nvSpPr>
+      <dsp:spPr>
+        <a:xfrm>
+          <a:off x="271968" y="3872042"/>
+          <a:ext cx="5552063" cy="957846"/>
+        </a:xfrm>
+        <a:prstGeom prst="rect">
+          <a:avLst/>
+        </a:prstGeom>
+        <a:solidFill>
+          <a:schemeClr val="accent1">
+            <a:hueOff val="0"/>
+            <a:satOff val="0"/>
+            <a:lumOff val="0"/>
+            <a:alphaOff val="0"/>
+          </a:schemeClr>
+        </a:solidFill>
+        <a:ln w="25400" cap="flat" cmpd="sng" algn="ctr">
+          <a:solidFill>
+            <a:schemeClr val="lt1">
+              <a:hueOff val="0"/>
+              <a:satOff val="0"/>
+              <a:lumOff val="0"/>
+              <a:alphaOff val="0"/>
+            </a:schemeClr>
+          </a:solidFill>
+          <a:prstDash val="solid"/>
+        </a:ln>
+        <a:effectLst/>
+      </dsp:spPr>
+      <dsp:style>
+        <a:lnRef idx="2">
+          <a:scrgbClr r="0" g="0" b="0"/>
+        </a:lnRef>
+        <a:fillRef idx="1">
+          <a:scrgbClr r="0" g="0" b="0"/>
+        </a:fillRef>
+        <a:effectRef idx="0">
+          <a:scrgbClr r="0" g="0" b="0"/>
+        </a:effectRef>
+        <a:fontRef idx="minor">
+          <a:schemeClr val="lt1"/>
+        </a:fontRef>
+      </dsp:style>
+      <dsp:txBody>
+        <a:bodyPr spcFirstLastPara="0" vert="horz" wrap="square" lIns="76200" tIns="76200" rIns="76200" bIns="76200" numCol="1" spcCol="1270" anchor="ctr" anchorCtr="0">
+          <a:noAutofit/>
+        </a:bodyPr>
+        <a:lstStyle/>
+        <a:p>
+          <a:pPr lvl="0" algn="ctr" defTabSz="889000">
+            <a:lnSpc>
+              <a:spcPct val="90000"/>
+            </a:lnSpc>
+            <a:spcBef>
+              <a:spcPct val="0"/>
+            </a:spcBef>
+            <a:spcAft>
+              <a:spcPct val="35000"/>
+            </a:spcAft>
+          </a:pPr>
+          <a:r>
+            <a:rPr lang="ru-RU" sz="2000" kern="1200" baseline="0" dirty="0" smtClean="0"/>
+            <a:t>Представление данных</a:t>
+          </a:r>
+        </a:p>
+        <a:p>
+          <a:pPr lvl="0" algn="ctr" defTabSz="889000">
+            <a:lnSpc>
+              <a:spcPct val="90000"/>
+            </a:lnSpc>
+            <a:spcBef>
+              <a:spcPct val="0"/>
+            </a:spcBef>
+            <a:spcAft>
+              <a:spcPct val="35000"/>
+            </a:spcAft>
+          </a:pPr>
+          <a:r>
+            <a:rPr lang="en-US" sz="2000" kern="1200" baseline="0" dirty="0" smtClean="0"/>
+            <a:t>XML, XML </a:t>
+          </a:r>
+          <a:r>
+            <a:rPr lang="ru-RU" sz="2000" kern="1200" baseline="0" dirty="0" smtClean="0"/>
+            <a:t>схема</a:t>
+          </a:r>
+        </a:p>
+      </dsp:txBody>
+      <dsp:txXfrm>
+        <a:off x="271968" y="3872042"/>
+        <a:ext cx="5552063" cy="957846"/>
+      </dsp:txXfrm>
+    </dsp:sp>
+    <dsp:sp modelId="{552FFE1E-A0BF-4A92-96B3-37F492BB10E8}">
+      <dsp:nvSpPr>
+        <dsp:cNvPr id="0" name=""/>
+        <dsp:cNvSpPr/>
+      </dsp:nvSpPr>
+      <dsp:spPr>
+        <a:xfrm>
+          <a:off x="271968" y="5162669"/>
+          <a:ext cx="5552063" cy="957846"/>
+        </a:xfrm>
+        <a:prstGeom prst="rect">
+          <a:avLst/>
+        </a:prstGeom>
+        <a:solidFill>
+          <a:schemeClr val="accent1">
+            <a:hueOff val="0"/>
+            <a:satOff val="0"/>
+            <a:lumOff val="0"/>
+            <a:alphaOff val="0"/>
+          </a:schemeClr>
+        </a:solidFill>
+        <a:ln w="25400" cap="flat" cmpd="sng" algn="ctr">
+          <a:solidFill>
+            <a:schemeClr val="lt1">
+              <a:hueOff val="0"/>
+              <a:satOff val="0"/>
+              <a:lumOff val="0"/>
+              <a:alphaOff val="0"/>
+            </a:schemeClr>
+          </a:solidFill>
+          <a:prstDash val="solid"/>
+        </a:ln>
+        <a:effectLst/>
+      </dsp:spPr>
+      <dsp:style>
+        <a:lnRef idx="2">
+          <a:scrgbClr r="0" g="0" b="0"/>
+        </a:lnRef>
+        <a:fillRef idx="1">
+          <a:scrgbClr r="0" g="0" b="0"/>
+        </a:fillRef>
+        <a:effectRef idx="0">
+          <a:scrgbClr r="0" g="0" b="0"/>
+        </a:effectRef>
+        <a:fontRef idx="minor">
+          <a:schemeClr val="lt1"/>
+        </a:fontRef>
+      </dsp:style>
+      <dsp:txBody>
+        <a:bodyPr spcFirstLastPara="0" vert="horz" wrap="square" lIns="76200" tIns="76200" rIns="76200" bIns="76200" numCol="1" spcCol="1270" anchor="ctr" anchorCtr="0">
+          <a:noAutofit/>
+        </a:bodyPr>
+        <a:lstStyle/>
+        <a:p>
+          <a:pPr lvl="0" algn="ctr" defTabSz="889000">
+            <a:lnSpc>
+              <a:spcPct val="90000"/>
+            </a:lnSpc>
+            <a:spcBef>
+              <a:spcPct val="0"/>
+            </a:spcBef>
+            <a:spcAft>
+              <a:spcPct val="35000"/>
+            </a:spcAft>
+          </a:pPr>
+          <a:r>
+            <a:rPr lang="ru-RU" sz="2000" kern="1200" baseline="0" dirty="0" smtClean="0"/>
+            <a:t>Транспорт</a:t>
+          </a:r>
+        </a:p>
+        <a:p>
+          <a:pPr lvl="0" algn="ctr" defTabSz="889000">
+            <a:lnSpc>
+              <a:spcPct val="90000"/>
+            </a:lnSpc>
+            <a:spcBef>
+              <a:spcPct val="0"/>
+            </a:spcBef>
+            <a:spcAft>
+              <a:spcPct val="35000"/>
+            </a:spcAft>
+          </a:pPr>
+          <a:r>
+            <a:rPr lang="en-US" sz="2000" kern="1200" baseline="0" dirty="0" smtClean="0"/>
+            <a:t>HTTP, SMTP</a:t>
+          </a:r>
+          <a:endParaRPr lang="ru-RU" sz="2000" kern="1200" baseline="0" dirty="0"/>
+        </a:p>
+      </dsp:txBody>
+      <dsp:txXfrm>
+        <a:off x="271968" y="5162669"/>
+        <a:ext cx="5552063" cy="957846"/>
+      </dsp:txXfrm>
+    </dsp:sp>
+  </dsp:spTree>
+</dsp:drawing>
+</file>
+
+<file path=ppt/diagrams/layout1.xml><?xml version="1.0" encoding="utf-8"?>
+<dgm:layoutDef xmlns:dgm="http://schemas.openxmlformats.org/drawingml/2006/diagram" xmlns:a="http://schemas.openxmlformats.org/drawingml/2006/main" uniqueId="urn:microsoft.com/office/officeart/2005/8/layout/default">
+  <dgm:title val=""/>
+  <dgm:desc val=""/>
+  <dgm:catLst>
+    <dgm:cat type="list" pri="1000"/>
+  </dgm:catLst>
+  <dgm:sampData>
+    <dgm:dataModel>
+      <dgm:ptLst>
+        <dgm:pt modelId="0" type="doc"/>
+        <dgm:pt modelId="1">
+          <dgm:prSet phldr="1"/>
+        </dgm:pt>
+        <dgm:pt modelId="2">
+          <dgm:prSet phldr="1"/>
+        </dgm:pt>
+        <dgm:pt modelId="3">
+          <dgm:prSet phldr="1"/>
+        </dgm:pt>
+        <dgm:pt modelId="4">
+          <dgm:prSet phldr="1"/>
+        </dgm:pt>
+        <dgm:pt modelId="5">
+          <dgm:prSet phldr="1"/>
+        </dgm:pt>
+      </dgm:ptLst>
+      <dgm:cxnLst>
+        <dgm:cxn modelId="6" srcId="0" destId="1" srcOrd="0" destOrd="0"/>
+        <dgm:cxn modelId="7" srcId="0" destId="2" srcOrd="1" destOrd="0"/>
+        <dgm:cxn modelId="8" srcId="0" destId="3" srcOrd="2" destOrd="0"/>
+        <dgm:cxn modelId="9" srcId="0" destId="4" srcOrd="3" destOrd="0"/>
+        <dgm:cxn modelId="10" srcId="0" destId="5" srcOrd="4" destOrd="0"/>
+      </dgm:cxnLst>
+      <dgm:bg/>
+      <dgm:whole/>
+    </dgm:dataModel>
+  </dgm:sampData>
+  <dgm:styleData>
+    <dgm:dataModel>
+      <dgm:ptLst>
+        <dgm:pt modelId="0" type="doc"/>
+        <dgm:pt modelId="1"/>
+        <dgm:pt modelId="2"/>
+      </dgm:ptLst>
+      <dgm:cxnLst>
+        <dgm:cxn modelId="3" srcId="0" destId="1" srcOrd="0" destOrd="0"/>
+        <dgm:cxn modelId="4" srcId="0" destId="2" srcOrd="1" destOrd="0"/>
+      </dgm:cxnLst>
+      <dgm:bg/>
+      <dgm:whole/>
+    </dgm:dataModel>
+  </dgm:styleData>
+  <dgm:clrData>
+    <dgm:dataModel>
+      <dgm:ptLst>
+        <dgm:pt modelId="0" type="doc"/>
+        <dgm:pt modelId="1"/>
+        <dgm:pt modelId="2"/>
+        <dgm:pt modelId="3"/>
+        <dgm:pt modelId="4"/>
+        <dgm:pt modelId="5"/>
+        <dgm:pt modelId="6"/>
+      </dgm:ptLst>
+      <dgm:cxnLst>
+        <dgm:cxn modelId="7" srcId="0" destId="1" srcOrd="0" destOrd="0"/>
+        <dgm:cxn modelId="8" srcId="0" destId="2" srcOrd="1" destOrd="0"/>
+        <dgm:cxn modelId="9" srcId="0" destId="3" srcOrd="2" destOrd="0"/>
+        <dgm:cxn modelId="10" srcId="0" destId="4" srcOrd="3" destOrd="0"/>
+        <dgm:cxn modelId="11" srcId="0" destId="5" srcOrd="4" destOrd="0"/>
+        <dgm:cxn modelId="12" srcId="0" destId="6" srcOrd="5" destOrd="0"/>
+      </dgm:cxnLst>
+      <dgm:bg/>
+      <dgm:whole/>
+    </dgm:dataModel>
+  </dgm:clrData>
+  <dgm:layoutNode name="diagram">
+    <dgm:varLst>
+      <dgm:dir/>
+      <dgm:resizeHandles val="exact"/>
+    </dgm:varLst>
+    <dgm:choose name="Name0">
+      <dgm:if name="Name1" func="var" arg="dir" op="equ" val="norm">
+        <dgm:alg type="snake">
+          <dgm:param type="grDir" val="tL"/>
+          <dgm:param type="flowDir" val="row"/>
+          <dgm:param type="contDir" val="sameDir"/>
+          <dgm:param type="off" val="ctr"/>
+        </dgm:alg>
+      </dgm:if>
+      <dgm:else name="Name2">
+        <dgm:alg type="snake">
+          <dgm:param type="grDir" val="tR"/>
+          <dgm:param type="flowDir" val="row"/>
+          <dgm:param type="contDir" val="sameDir"/>
+          <dgm:param type="off" val="ctr"/>
+        </dgm:alg>
+      </dgm:else>
+    </dgm:choose>
+    <dgm:shape xmlns:r="http://schemas.openxmlformats.org/officeDocument/2006/relationships" r:blip="">
+      <dgm:adjLst/>
+    </dgm:shape>
+    <dgm:presOf/>
+    <dgm:constrLst>
+      <dgm:constr type="w" for="ch" forName="node" refType="w"/>
+      <dgm:constr type="h" for="ch" forName="node" refType="w" refFor="ch" refForName="node" fact="0.6"/>
+      <dgm:constr type="w" for="ch" forName="sibTrans" refType="w" refFor="ch" refForName="node" fact="0.1"/>
+      <dgm:constr type="sp" refType="w" refFor="ch" refForName="sibTrans"/>
+      <dgm:constr type="primFontSz" for="ch" forName="node" op="equ" val="65"/>
+    </dgm:constrLst>
+    <dgm:ruleLst/>
+    <dgm:forEach name="Name3" axis="ch" ptType="node">
+      <dgm:layoutNode name="node">
+        <dgm:varLst>
+          <dgm:bulletEnabled val="1"/>
+        </dgm:varLst>
+        <dgm:alg type="tx"/>
+        <dgm:shape xmlns:r="http://schemas.openxmlformats.org/officeDocument/2006/relationships" type="rect" r:blip="">
+          <dgm:adjLst/>
+        </dgm:shape>
+        <dgm:presOf axis="desOrSelf" ptType="node"/>
+        <dgm:constrLst>
+          <dgm:constr type="lMarg" refType="primFontSz" fact="0.3"/>
+          <dgm:constr type="rMarg" refType="primFontSz" fact="0.3"/>
+          <dgm:constr type="tMarg" refType="primFontSz" fact="0.3"/>
+          <dgm:constr type="bMarg" refType="primFontSz" fact="0.3"/>
+        </dgm:constrLst>
+        <dgm:ruleLst>
+          <dgm:rule type="primFontSz" val="5" fact="NaN" max="NaN"/>
+        </dgm:ruleLst>
+      </dgm:layoutNode>
+      <dgm:forEach name="Name4" axis="followSib" ptType="sibTrans" cnt="1">
+        <dgm:layoutNode name="sibTrans">
+          <dgm:alg type="sp"/>
+          <dgm:shape xmlns:r="http://schemas.openxmlformats.org/officeDocument/2006/relationships" r:blip="">
+            <dgm:adjLst/>
+          </dgm:shape>
+          <dgm:presOf/>
+          <dgm:constrLst/>
+          <dgm:ruleLst/>
+        </dgm:layoutNode>
+      </dgm:forEach>
+    </dgm:forEach>
+  </dgm:layoutNode>
+</dgm:layoutDef>
+</file>
+
+<file path=ppt/diagrams/quickStyle1.xml><?xml version="1.0" encoding="utf-8"?>
+<dgm:styleDef xmlns:dgm="http://schemas.openxmlformats.org/drawingml/2006/diagram" xmlns:a="http://schemas.openxmlformats.org/drawingml/2006/main" uniqueId="urn:microsoft.com/office/officeart/2005/8/quickstyle/simple1">
+  <dgm:title val=""/>
+  <dgm:desc val=""/>
+  <dgm:catLst>
+    <dgm:cat type="simple" pri="10100"/>
+  </dgm:catLst>
+  <dgm:scene3d>
+    <a:camera prst="orthographicFront"/>
+    <a:lightRig rig="threePt" dir="t"/>
+  </dgm:scene3d>
+  <dgm:styleLbl name="node0">
+    <dgm:scene3d>
+      <a:camera prst="orthographicFront"/>
+      <a:lightRig rig="threePt" dir="t"/>
+    </dgm:scene3d>
+    <dgm:sp3d/>
+    <dgm:txPr/>
+    <dgm:style>
+      <a:lnRef idx="2">
+        <a:scrgbClr r="0" g="0" b="0"/>
+      </a:lnRef>
+      <a:fillRef idx="1">
+        <a:scrgbClr r="0" g="0" b="0"/>
+      </a:fillRef>
+      <a:effectRef idx="0">
+        <a:scrgbClr r="0" g="0" b="0"/>
+      </a:effectRef>
+      <a:fontRef idx="minor">
+        <a:schemeClr val="lt1"/>
+      </a:fontRef>
+    </dgm:style>
+  </dgm:styleLbl>
+  <dgm:styleLbl name="lnNode1">
+    <dgm:scene3d>
+      <a:camera prst="orthographicFront"/>
+      <a:lightRig rig="threePt" dir="t"/>
+    </dgm:scene3d>
+    <dgm:sp3d/>
+    <dgm:txPr/>
+    <dgm:style>
+      <a:lnRef idx="2">
+        <a:scrgbClr r="0" g="0" b="0"/>
+      </a:lnRef>
+      <a:fillRef idx="1">
+        <a:scrgbClr r="0" g="0" b="0"/>
+      </a:fillRef>
+      <a:effectRef idx="0">
+        <a:scrgbClr r="0" g="0" b="0"/>
+      </a:effectRef>
+      <a:fontRef idx="minor">
+        <a:schemeClr val="lt1"/>
+      </a:fontRef>
+    </dgm:style>
+  </dgm:styleLbl>
+  <dgm:styleLbl name="vennNode1">
+    <dgm:scene3d>
+      <a:camera prst="orthographicFront"/>
+      <a:lightRig rig="threePt" dir="t"/>
+    </dgm:scene3d>
+    <dgm:sp3d/>
+    <dgm:txPr/>
+    <dgm:style>
+      <a:lnRef idx="2">
+        <a:scrgbClr r="0" g="0" b="0"/>
+      </a:lnRef>
+      <a:fillRef idx="1">
+        <a:scrgbClr r="0" g="0" b="0"/>
+      </a:fillRef>
+      <a:effectRef idx="0">
+        <a:scrgbClr r="0" g="0" b="0"/>
+      </a:effectRef>
+      <a:fontRef idx="minor">
+        <a:schemeClr val="tx1"/>
+      </a:fontRef>
+    </dgm:style>
+  </dgm:styleLbl>
+  <dgm:styleLbl name="alignNode1">
+    <dgm:scene3d>
+      <a:camera prst="orthographicFront"/>
+      <a:lightRig rig="threePt" dir="t"/>
+    </dgm:scene3d>
+    <dgm:sp3d/>
+    <dgm:txPr/>
+    <dgm:style>
+      <a:lnRef idx="2">
+        <a:scrgbClr r="0" g="0" b="0"/>
+      </a:lnRef>
+      <a:fillRef idx="1">
+        <a:scrgbClr r="0" g="0" b="0"/>
+      </a:fillRef>
+      <a:effectRef idx="0">
+        <a:scrgbClr r="0" g="0" b="0"/>
+      </a:effectRef>
+      <a:fontRef idx="minor">
+        <a:schemeClr val="lt1"/>
+      </a:fontRef>
+    </dgm:style>
+  </dgm:styleLbl>
+  <dgm:styleLbl name="node1">
+    <dgm:scene3d>
+      <a:camera prst="orthographicFront"/>
+      <a:lightRig rig="threePt" dir="t"/>
+    </dgm:scene3d>
+    <dgm:sp3d/>
+    <dgm:txPr/>
+    <dgm:style>
+      <a:lnRef idx="2">
+        <a:scrgbClr r="0" g="0" b="0"/>
+      </a:lnRef>
+      <a:fillRef idx="1">
+        <a:scrgbClr r="0" g="0" b="0"/>
+      </a:fillRef>
+      <a:effectRef idx="0">
+        <a:scrgbClr r="0" g="0" b="0"/>
+      </a:effectRef>
+      <a:fontRef idx="minor">
+        <a:schemeClr val="lt1"/>
+      </a:fontRef>
+    </dgm:style>
+  </dgm:styleLbl>
+  <dgm:styleLbl name="node2">
+    <dgm:scene3d>
+      <a:camera prst="orthographicFront"/>
+      <a:lightRig rig="threePt" dir="t"/>
+    </dgm:scene3d>
+    <dgm:sp3d/>
+    <dgm:txPr/>
+    <dgm:style>
+      <a:lnRef idx="2">
+        <a:scrgbClr r="0" g="0" b="0"/>
+      </a:lnRef>
+      <a:fillRef idx="1">
+        <a:scrgbClr r="0" g="0" b="0"/>
+      </a:fillRef>
+      <a:effectRef idx="0">
+        <a:scrgbClr r="0" g="0" b="0"/>
+      </a:effectRef>
+      <a:fontRef idx="minor">
+        <a:schemeClr val="lt1"/>
+      </a:fontRef>
+    </dgm:style>
+  </dgm:styleLbl>
+  <dgm:styleLbl name="node3">
+    <dgm:scene3d>
+      <a:camera prst="orthographicFront"/>
+      <a:lightRig rig="threePt" dir="t"/>
+    </dgm:scene3d>
+    <dgm:sp3d/>
+    <dgm:txPr/>
+    <dgm:style>
+      <a:lnRef idx="2">
+        <a:scrgbClr r="0" g="0" b="0"/>
+      </a:lnRef>
+      <a:fillRef idx="1">
+        <a:scrgbClr r="0" g="0" b="0"/>
+      </a:fillRef>
+      <a:effectRef idx="0">
+        <a:scrgbClr r="0" g="0" b="0"/>
+      </a:effectRef>
+      <a:fontRef idx="minor">
+        <a:schemeClr val="lt1"/>
+      </a:fontRef>
+    </dgm:style>
+  </dgm:styleLbl>
+  <dgm:styleLbl name="node4">
+    <dgm:scene3d>
+      <a:camera prst="orthographicFront"/>
+      <a:lightRig rig="threePt" dir="t"/>
+    </dgm:scene3d>
+    <dgm:sp3d/>
+    <dgm:txPr/>
+    <dgm:style>
+      <a:lnRef idx="2">
+        <a:scrgbClr r="0" g="0" b="0"/>
+      </a:lnRef>
+      <a:fillRef idx="1">
+        <a:scrgbClr r="0" g="0" b="0"/>
+      </a:fillRef>
+      <a:effectRef idx="0">
+        <a:scrgbClr r="0" g="0" b="0"/>
+      </a:effectRef>
+      <a:fontRef idx="minor">
+        <a:schemeClr val="lt1"/>
+      </a:fontRef>
+    </dgm:style>
+  </dgm:styleLbl>
+  <dgm:styleLbl name="fgImgPlace1">
+    <dgm:scene3d>
+      <a:camera prst="orthographicFront"/>
+      <a:lightRig rig="threePt" dir="t"/>
+    </dgm:scene3d>
+    <dgm:sp3d/>
+    <dgm:txPr/>
+    <dgm:style>
+      <a:lnRef idx="2">
+        <a:scrgbClr r="0" g="0" b="0"/>
+      </a:lnRef>
+      <a:fillRef idx="1">
+        <a:scrgbClr r="0" g="0" b="0"/>
+      </a:fillRef>
+      <a:effectRef idx="0">
+        <a:scrgbClr r="0" g="0" b="0"/>
+      </a:effectRef>
+      <a:fontRef idx="minor"/>
+    </dgm:style>
+  </dgm:styleLbl>
+  <dgm:styleLbl name="alignImgPlace1">
+    <dgm:scene3d>
+      <a:camera prst="orthographicFront"/>
+      <a:lightRig rig="threePt" dir="t"/>
+    </dgm:scene3d>
+    <dgm:sp3d/>
+    <dgm:txPr/>
+    <dgm:style>
+      <a:lnRef idx="2">
+        <a:scrgbClr r="0" g="0" b="0"/>
+      </a:lnRef>
+      <a:fillRef idx="1">
+        <a:scrgbClr r="0" g="0" b="0"/>
+      </a:fillRef>
+      <a:effectRef idx="0">
+        <a:scrgbClr r="0" g="0" b="0"/>
+      </a:effectRef>
+      <a:fontRef idx="minor"/>
+    </dgm:style>
+  </dgm:styleLbl>
+  <dgm:styleLbl name="bgImgPlace1">
+    <dgm:scene3d>
+      <a:camera prst="orthographicFront"/>
+      <a:lightRig rig="threePt" dir="t"/>
+    </dgm:scene3d>
+    <dgm:sp3d/>
+    <dgm:txPr/>
+    <dgm:style>
+      <a:lnRef idx="2">
+        <a:scrgbClr r="0" g="0" b="0"/>
+      </a:lnRef>
+      <a:fillRef idx="1">
+        <a:scrgbClr r="0" g="0" b="0"/>
+      </a:fillRef>
+      <a:effectRef idx="0">
+        <a:scrgbClr r="0" g="0" b="0"/>
+      </a:effectRef>
+      <a:fontRef idx="minor"/>
+    </dgm:style>
+  </dgm:styleLbl>
+  <dgm:styleLbl name="sibTrans2D1">
+    <dgm:scene3d>
+      <a:camera prst="orthographicFront"/>
+      <a:lightRig rig="threePt" dir="t"/>
+    </dgm:scene3d>
+    <dgm:sp3d/>
+    <dgm:txPr/>
+    <dgm:style>
+      <a:lnRef idx="0">
+        <a:scrgbClr r="0" g="0" b="0"/>
+      </a:lnRef>
+      <a:fillRef idx="1">
+        <a:scrgbClr r="0" g="0" b="0"/>
+      </a:fillRef>
+      <a:effectRef idx="0">
+        <a:scrgbClr r="0" g="0" b="0"/>
+      </a:effectRef>
+      <a:fontRef idx="minor">
+        <a:schemeClr val="lt1"/>
+      </a:fontRef>
+    </dgm:style>
+  </dgm:styleLbl>
+  <dgm:styleLbl name="fgSibTrans2D1">
+    <dgm:scene3d>
+      <a:camera prst="orthographicFront"/>
+      <a:lightRig rig="threePt" dir="t"/>
+    </dgm:scene3d>
+    <dgm:sp3d/>
+    <dgm:txPr/>
+    <dgm:style>
+      <a:lnRef idx="0">
+        <a:scrgbClr r="0" g="0" b="0"/>
+      </a:lnRef>
+      <a:fillRef idx="1">
+        <a:scrgbClr r="0" g="0" b="0"/>
+      </a:fillRef>
+      <a:effectRef idx="0">
+        <a:scrgbClr r="0" g="0" b="0"/>
+      </a:effectRef>
+      <a:fontRef idx="minor">
+        <a:schemeClr val="lt1"/>
+      </a:fontRef>
+    </dgm:style>
+  </dgm:styleLbl>
+  <dgm:styleLbl name="bgSibTrans2D1">
+    <dgm:scene3d>
+      <a:camera prst="orthographicFront"/>
+      <a:lightRig rig="threePt" dir="t"/>
+    </dgm:scene3d>
+    <dgm:sp3d/>
+    <dgm:txPr/>
+    <dgm:style>
+      <a:lnRef idx="0">
+        <a:scrgbClr r="0" g="0" b="0"/>
+      </a:lnRef>
+      <a:fillRef idx="1">
+        <a:scrgbClr r="0" g="0" b="0"/>
+      </a:fillRef>
+      <a:effectRef idx="0">
+        <a:scrgbClr r="0" g="0" b="0"/>
+      </a:effectRef>
+      <a:fontRef idx="minor">
+        <a:schemeClr val="lt1"/>
+      </a:fontRef>
+    </dgm:style>
+  </dgm:styleLbl>
+  <dgm:styleLbl name="sibTrans1D1">
+    <dgm:scene3d>
+      <a:camera prst="orthographicFront"/>
+      <a:lightRig rig="threePt" dir="t"/>
+    </dgm:scene3d>
+    <dgm:sp3d/>
+    <dgm:txPr/>
+    <dgm:style>
+      <a:lnRef idx="1">
+        <a:scrgbClr r="0" g="0" b="0"/>
+      </a:lnRef>
+      <a:fillRef idx="0">
+        <a:scrgbClr r="0" g="0" b="0"/>
+      </a:fillRef>
+      <a:effectRef idx="0">
+        <a:scrgbClr r="0" g="0" b="0"/>
+      </a:effectRef>
+      <a:fontRef idx="minor"/>
+    </dgm:style>
+  </dgm:styleLbl>
+  <dgm:styleLbl name="callout">
+    <dgm:scene3d>
+      <a:camera prst="orthographicFront"/>
+      <a:lightRig rig="threePt" dir="t"/>
+    </dgm:scene3d>
+    <dgm:sp3d/>
+    <dgm:txPr/>
+    <dgm:style>
+      <a:lnRef idx="2">
+        <a:scrgbClr r="0" g="0" b="0"/>
+      </a:lnRef>
+      <a:fillRef idx="1">
+        <a:scrgbClr r="0" g="0" b="0"/>
+      </a:fillRef>
+      <a:effectRef idx="0">
+        <a:scrgbClr r="0" g="0" b="0"/>
+      </a:effectRef>
+      <a:fontRef idx="minor"/>
+    </dgm:style>
+  </dgm:styleLbl>
+  <dgm:styleLbl name="asst0">
+    <dgm:scene3d>
+      <a:camera prst="orthographicFront"/>
+      <a:lightRig rig="threePt" dir="t"/>
+    </dgm:scene3d>
+    <dgm:sp3d/>
+    <dgm:txPr/>
+    <dgm:style>
+      <a:lnRef idx="2">
+        <a:scrgbClr r="0" g="0" b="0"/>
+      </a:lnRef>
+      <a:fillRef idx="1">
+        <a:scrgbClr r="0" g="0" b="0"/>
+      </a:fillRef>
+      <a:effectRef idx="0">
+        <a:scrgbClr r="0" g="0" b="0"/>
+      </a:effectRef>
+      <a:fontRef idx="minor">
+        <a:schemeClr val="lt1"/>
+      </a:fontRef>
+    </dgm:style>
+  </dgm:styleLbl>
+  <dgm:styleLbl name="asst1">
+    <dgm:scene3d>
+      <a:camera prst="orthographicFront"/>
+      <a:lightRig rig="threePt" dir="t"/>
+    </dgm:scene3d>
+    <dgm:sp3d/>
+    <dgm:txPr/>
+    <dgm:style>
+      <a:lnRef idx="2">
+        <a:scrgbClr r="0" g="0" b="0"/>
+      </a:lnRef>
+      <a:fillRef idx="1">
+        <a:scrgbClr r="0" g="0" b="0"/>
+      </a:fillRef>
+      <a:effectRef idx="0">
+        <a:scrgbClr r="0" g="0" b="0"/>
+      </a:effectRef>
+      <a:fontRef idx="minor">
+        <a:schemeClr val="lt1"/>
+      </a:fontRef>
+    </dgm:style>
+  </dgm:styleLbl>
+  <dgm:styleLbl name="asst2">
+    <dgm:scene3d>
+      <a:camera prst="orthographicFront"/>
+      <a:lightRig rig="threePt" dir="t"/>
+    </dgm:scene3d>
+    <dgm:sp3d/>
+    <dgm:txPr/>
+    <dgm:style>
+      <a:lnRef idx="2">
+        <a:scrgbClr r="0" g="0" b="0"/>
+      </a:lnRef>
+      <a:fillRef idx="1">
+        <a:scrgbClr r="0" g="0" b="0"/>
+      </a:fillRef>
+      <a:effectRef idx="0">
+        <a:scrgbClr r="0" g="0" b="0"/>
+      </a:effectRef>
+      <a:fontRef idx="minor">
+        <a:schemeClr val="lt1"/>
+      </a:fontRef>
+    </dgm:style>
+  </dgm:styleLbl>
+  <dgm:styleLbl name="asst3">
+    <dgm:scene3d>
+      <a:camera prst="orthographicFront"/>
+      <a:lightRig rig="threePt" dir="t"/>
+    </dgm:scene3d>
+    <dgm:sp3d/>
+    <dgm:txPr/>
+    <dgm:style>
+      <a:lnRef idx="2">
+        <a:scrgbClr r="0" g="0" b="0"/>
+      </a:lnRef>
+      <a:fillRef idx="1">
+        <a:scrgbClr r="0" g="0" b="0"/>
+      </a:fillRef>
+      <a:effectRef idx="0">
+        <a:scrgbClr r="0" g="0" b="0"/>
+      </a:effectRef>
+      <a:fontRef idx="minor">
+        <a:schemeClr val="lt1"/>
+      </a:fontRef>
+    </dgm:style>
+  </dgm:styleLbl>
+  <dgm:styleLbl name="asst4">
+    <dgm:scene3d>
+      <a:camera prst="orthographicFront"/>
+      <a:lightRig rig="threePt" dir="t"/>
+    </dgm:scene3d>
+    <dgm:sp3d/>
+    <dgm:txPr/>
+    <dgm:style>
+      <a:lnRef idx="2">
+        <a:scrgbClr r="0" g="0" b="0"/>
+      </a:lnRef>
+      <a:fillRef idx="1">
+        <a:scrgbClr r="0" g="0" b="0"/>
+      </a:fillRef>
+      <a:effectRef idx="0">
+        <a:scrgbClr r="0" g="0" b="0"/>
+      </a:effectRef>
+      <a:fontRef idx="minor">
+        <a:schemeClr val="lt1"/>
+      </a:fontRef>
+    </dgm:style>
+  </dgm:styleLbl>
+  <dgm:styleLbl name="parChTrans2D1">
+    <dgm:scene3d>
+      <a:camera prst="orthographicFront"/>
+      <a:lightRig rig="threePt" dir="t"/>
+    </dgm:scene3d>
+    <dgm:sp3d/>
+    <dgm:txPr/>
+    <dgm:style>
+      <a:lnRef idx="2">
+        <a:scrgbClr r="0" g="0" b="0"/>
+      </a:lnRef>
+      <a:fillRef idx="1">
+        <a:scrgbClr r="0" g="0" b="0"/>
+      </a:fillRef>
+      <a:effectRef idx="0">
+        <a:scrgbClr r="0" g="0" b="0"/>
+      </a:effectRef>
+      <a:fontRef idx="minor">
+        <a:schemeClr val="lt1"/>
+      </a:fontRef>
+    </dgm:style>
+  </dgm:styleLbl>
+  <dgm:styleLbl name="parChTrans2D2">
+    <dgm:scene3d>
+      <a:camera prst="orthographicFront"/>
+      <a:lightRig rig="threePt" dir="t"/>
+    </dgm:scene3d>
+    <dgm:sp3d/>
+    <dgm:txPr/>
+    <dgm:style>
+      <a:lnRef idx="2">
+        <a:scrgbClr r="0" g="0" b="0"/>
+      </a:lnRef>
+      <a:fillRef idx="1">
+        <a:scrgbClr r="0" g="0" b="0"/>
+      </a:fillRef>
+      <a:effectRef idx="0">
+        <a:scrgbClr r="0" g="0" b="0"/>
+      </a:effectRef>
+      <a:fontRef idx="minor">
+        <a:schemeClr val="lt1"/>
+      </a:fontRef>
+    </dgm:style>
+  </dgm:styleLbl>
+  <dgm:styleLbl name="parChTrans2D3">
+    <dgm:scene3d>
+      <a:camera prst="orthographicFront"/>
+      <a:lightRig rig="threePt" dir="t"/>
+    </dgm:scene3d>
+    <dgm:sp3d/>
+    <dgm:txPr/>
+    <dgm:style>
+      <a:lnRef idx="2">
+        <a:scrgbClr r="0" g="0" b="0"/>
+      </a:lnRef>
+      <a:fillRef idx="1">
+        <a:scrgbClr r="0" g="0" b="0"/>
+      </a:fillRef>
+      <a:effectRef idx="0">
+        <a:scrgbClr r="0" g="0" b="0"/>
+      </a:effectRef>
+      <a:fontRef idx="minor">
+        <a:schemeClr val="lt1"/>
+      </a:fontRef>
+    </dgm:style>
+  </dgm:styleLbl>
+  <dgm:styleLbl name="parChTrans2D4">
+    <dgm:scene3d>
+      <a:camera prst="orthographicFront"/>
+      <a:lightRig rig="threePt" dir="t"/>
+    </dgm:scene3d>
+    <dgm:sp3d/>
+    <dgm:txPr/>
+    <dgm:style>
+      <a:lnRef idx="2">
+        <a:scrgbClr r="0" g="0" b="0"/>
+      </a:lnRef>
+      <a:fillRef idx="1">
+        <a:scrgbClr r="0" g="0" b="0"/>
+      </a:fillRef>
+      <a:effectRef idx="0">
+        <a:scrgbClr r="0" g="0" b="0"/>
+      </a:effectRef>
+      <a:fontRef idx="minor">
+        <a:schemeClr val="lt1"/>
+      </a:fontRef>
+    </dgm:style>
+  </dgm:styleLbl>
+  <dgm:styleLbl name="parChTrans1D1">
+    <dgm:scene3d>
+      <a:camera prst="orthographicFront"/>
+      <a:lightRig rig="threePt" dir="t"/>
+    </dgm:scene3d>
+    <dgm:sp3d/>
+    <dgm:txPr/>
+    <dgm:style>
+      <a:lnRef idx="2">
+        <a:scrgbClr r="0" g="0" b="0"/>
+      </a:lnRef>
+      <a:fillRef idx="0">
+        <a:scrgbClr r="0" g="0" b="0"/>
+      </a:fillRef>
+      <a:effectRef idx="0">
+        <a:scrgbClr r="0" g="0" b="0"/>
+      </a:effectRef>
+      <a:fontRef idx="minor"/>
+    </dgm:style>
+  </dgm:styleLbl>
+  <dgm:styleLbl name="parChTrans1D2">
+    <dgm:scene3d>
+      <a:camera prst="orthographicFront"/>
+      <a:lightRig rig="threePt" dir="t"/>
+    </dgm:scene3d>
+    <dgm:sp3d/>
+    <dgm:txPr/>
+    <dgm:style>
+      <a:lnRef idx="2">
+        <a:scrgbClr r="0" g="0" b="0"/>
+      </a:lnRef>
+      <a:fillRef idx="0">
+        <a:scrgbClr r="0" g="0" b="0"/>
+      </a:fillRef>
+      <a:effectRef idx="0">
+        <a:scrgbClr r="0" g="0" b="0"/>
+      </a:effectRef>
+      <a:fontRef idx="minor"/>
+    </dgm:style>
+  </dgm:styleLbl>
+  <dgm:styleLbl name="parChTrans1D3">
+    <dgm:scene3d>
+      <a:camera prst="orthographicFront"/>
+      <a:lightRig rig="threePt" dir="t"/>
+    </dgm:scene3d>
+    <dgm:sp3d/>
+    <dgm:txPr/>
+    <dgm:style>
+      <a:lnRef idx="2">
+        <a:scrgbClr r="0" g="0" b="0"/>
+      </a:lnRef>
+      <a:fillRef idx="0">
+        <a:scrgbClr r="0" g="0" b="0"/>
+      </a:fillRef>
+      <a:effectRef idx="0">
+        <a:scrgbClr r="0" g="0" b="0"/>
+      </a:effectRef>
+      <a:fontRef idx="minor"/>
+    </dgm:style>
+  </dgm:styleLbl>
+  <dgm:styleLbl name="parChTrans1D4">
+    <dgm:scene3d>
+      <a:camera prst="orthographicFront"/>
+      <a:lightRig rig="threePt" dir="t"/>
+    </dgm:scene3d>
+    <dgm:sp3d/>
+    <dgm:txPr/>
+    <dgm:style>
+      <a:lnRef idx="2">
+        <a:scrgbClr r="0" g="0" b="0"/>
+      </a:lnRef>
+      <a:fillRef idx="0">
+        <a:scrgbClr r="0" g="0" b="0"/>
+      </a:fillRef>
+      <a:effectRef idx="0">
+        <a:scrgbClr r="0" g="0" b="0"/>
+      </a:effectRef>
+      <a:fontRef idx="minor"/>
+    </dgm:style>
+  </dgm:styleLbl>
+  <dgm:styleLbl name="fgAcc1">
+    <dgm:scene3d>
+      <a:camera prst="orthographicFront"/>
+      <a:lightRig rig="threePt" dir="t"/>
+    </dgm:scene3d>
+    <dgm:sp3d/>
+    <dgm:txPr/>
+    <dgm:style>
+      <a:lnRef idx="2">
+        <a:scrgbClr r="0" g="0" b="0"/>
+      </a:lnRef>
+      <a:fillRef idx="1">
+        <a:scrgbClr r="0" g="0" b="0"/>
+      </a:fillRef>
+      <a:effectRef idx="0">
+        <a:scrgbClr r="0" g="0" b="0"/>
+      </a:effectRef>
+      <a:fontRef idx="minor"/>
+    </dgm:style>
+  </dgm:styleLbl>
+  <dgm:styleLbl name="conFgAcc1">
+    <dgm:scene3d>
+      <a:camera prst="orthographicFront"/>
+      <a:lightRig rig="threePt" dir="t"/>
+    </dgm:scene3d>
+    <dgm:sp3d/>
+    <dgm:txPr/>
+    <dgm:style>
+      <a:lnRef idx="2">
+        <a:scrgbClr r="0" g="0" b="0"/>
+      </a:lnRef>
+      <a:fillRef idx="1">
+        <a:scrgbClr r="0" g="0" b="0"/>
+      </a:fillRef>
+      <a:effectRef idx="0">
+        <a:scrgbClr r="0" g="0" b="0"/>
+      </a:effectRef>
+      <a:fontRef idx="minor"/>
+    </dgm:style>
+  </dgm:styleLbl>
+  <dgm:styleLbl name="alignAcc1">
+    <dgm:scene3d>
+      <a:camera prst="orthographicFront"/>
+      <a:lightRig rig="threePt" dir="t"/>
+    </dgm:scene3d>
+    <dgm:sp3d/>
+    <dgm:txPr/>
+    <dgm:style>
+      <a:lnRef idx="2">
+        <a:scrgbClr r="0" g="0" b="0"/>
+      </a:lnRef>
+      <a:fillRef idx="1">
+        <a:scrgbClr r="0" g="0" b="0"/>
+      </a:fillRef>
+      <a:effectRef idx="0">
+        <a:scrgbClr r="0" g="0" b="0"/>
+      </a:effectRef>
+      <a:fontRef idx="minor"/>
+    </dgm:style>
+  </dgm:styleLbl>
+  <dgm:styleLbl name="trAlignAcc1">
+    <dgm:scene3d>
+      <a:camera prst="orthographicFront"/>
+      <a:lightRig rig="threePt" dir="t"/>
+    </dgm:scene3d>
+    <dgm:sp3d/>
+    <dgm:txPr/>
+    <dgm:style>
+      <a:lnRef idx="1">
+        <a:scrgbClr r="0" g="0" b="0"/>
+      </a:lnRef>
+      <a:fillRef idx="1">
+        <a:scrgbClr r="0" g="0" b="0"/>
+      </a:fillRef>
+      <a:effectRef idx="0">
+        <a:scrgbClr r="0" g="0" b="0"/>
+      </a:effectRef>
+      <a:fontRef idx="minor"/>
+    </dgm:style>
+  </dgm:styleLbl>
+  <dgm:styleLbl name="bgAcc1">
+    <dgm:scene3d>
+      <a:camera prst="orthographicFront"/>
+      <a:lightRig rig="threePt" dir="t"/>
+    </dgm:scene3d>
+    <dgm:sp3d/>
+    <dgm:txPr/>
+    <dgm:style>
+      <a:lnRef idx="2">
+        <a:scrgbClr r="0" g="0" b="0"/>
+      </a:lnRef>
+      <a:fillRef idx="1">
+        <a:scrgbClr r="0" g="0" b="0"/>
+      </a:fillRef>
+      <a:effectRef idx="0">
+        <a:scrgbClr r="0" g="0" b="0"/>
+      </a:effectRef>
+      <a:fontRef idx="minor"/>
+    </dgm:style>
+  </dgm:styleLbl>
+  <dgm:styleLbl name="solidFgAcc1">
+    <dgm:scene3d>
+      <a:camera prst="orthographicFront"/>
+      <a:lightRig rig="threePt" dir="t"/>
+    </dgm:scene3d>
+    <dgm:sp3d/>
+    <dgm:txPr/>
+    <dgm:style>
+      <a:lnRef idx="2">
+        <a:scrgbClr r="0" g="0" b="0"/>
+      </a:lnRef>
+      <a:fillRef idx="1">
+        <a:scrgbClr r="0" g="0" b="0"/>
+      </a:fillRef>
+      <a:effectRef idx="0">
+        <a:scrgbClr r="0" g="0" b="0"/>
+      </a:effectRef>
+      <a:fontRef idx="minor"/>
+    </dgm:style>
+  </dgm:styleLbl>
+  <dgm:styleLbl name="solidAlignAcc1">
+    <dgm:scene3d>
+      <a:camera prst="orthographicFront"/>
+      <a:lightRig rig="threePt" dir="t"/>
+    </dgm:scene3d>
+    <dgm:sp3d/>
+    <dgm:txPr/>
+    <dgm:style>
+      <a:lnRef idx="2">
+        <a:scrgbClr r="0" g="0" b="0"/>
+      </a:lnRef>
+      <a:fillRef idx="1">
+        <a:scrgbClr r="0" g="0" b="0"/>
+      </a:fillRef>
+      <a:effectRef idx="0">
+        <a:scrgbClr r="0" g="0" b="0"/>
+      </a:effectRef>
+      <a:fontRef idx="minor"/>
+    </dgm:style>
+  </dgm:styleLbl>
+  <dgm:styleLbl name="solidBgAcc1">
+    <dgm:scene3d>
+      <a:camera prst="orthographicFront"/>
+      <a:lightRig rig="threePt" dir="t"/>
+    </dgm:scene3d>
+    <dgm:sp3d/>
+    <dgm:txPr/>
+    <dgm:style>
+      <a:lnRef idx="2">
+        <a:scrgbClr r="0" g="0" b="0"/>
+      </a:lnRef>
+      <a:fillRef idx="1">
+        <a:scrgbClr r="0" g="0" b="0"/>
+      </a:fillRef>
+      <a:effectRef idx="0">
+        <a:scrgbClr r="0" g="0" b="0"/>
+      </a:effectRef>
+      <a:fontRef idx="minor"/>
+    </dgm:style>
+  </dgm:styleLbl>
+  <dgm:styleLbl name="fgAccFollowNode1">
+    <dgm:scene3d>
+      <a:camera prst="orthographicFront"/>
+      <a:lightRig rig="threePt" dir="t"/>
+    </dgm:scene3d>
+    <dgm:sp3d/>
+    <dgm:txPr/>
+    <dgm:style>
+      <a:lnRef idx="2">
+        <a:scrgbClr r="0" g="0" b="0"/>
+      </a:lnRef>
+      <a:fillRef idx="1">
+        <a:scrgbClr r="0" g="0" b="0"/>
+      </a:fillRef>
+      <a:effectRef idx="0">
+        <a:scrgbClr r="0" g="0" b="0"/>
+      </a:effectRef>
+      <a:fontRef idx="minor"/>
+    </dgm:style>
+  </dgm:styleLbl>
+  <dgm:styleLbl name="alignAccFollowNode1">
+    <dgm:scene3d>
+      <a:camera prst="orthographicFront"/>
+      <a:lightRig rig="threePt" dir="t"/>
+    </dgm:scene3d>
+    <dgm:sp3d/>
+    <dgm:txPr/>
+    <dgm:style>
+      <a:lnRef idx="2">
+        <a:scrgbClr r="0" g="0" b="0"/>
+      </a:lnRef>
+      <a:fillRef idx="1">
+        <a:scrgbClr r="0" g="0" b="0"/>
+      </a:fillRef>
+      <a:effectRef idx="0">
+        <a:scrgbClr r="0" g="0" b="0"/>
+      </a:effectRef>
+      <a:fontRef idx="minor"/>
+    </dgm:style>
+  </dgm:styleLbl>
+  <dgm:styleLbl name="bgAccFollowNode1">
+    <dgm:scene3d>
+      <a:camera prst="orthographicFront"/>
+      <a:lightRig rig="threePt" dir="t"/>
+    </dgm:scene3d>
+    <dgm:sp3d/>
+    <dgm:txPr/>
+    <dgm:style>
+      <a:lnRef idx="2">
+        <a:scrgbClr r="0" g="0" b="0"/>
+      </a:lnRef>
+      <a:fillRef idx="1">
+        <a:scrgbClr r="0" g="0" b="0"/>
+      </a:fillRef>
+      <a:effectRef idx="0">
+        <a:scrgbClr r="0" g="0" b="0"/>
+      </a:effectRef>
+      <a:fontRef idx="minor"/>
+    </dgm:style>
+  </dgm:styleLbl>
+  <dgm:styleLbl name="fgAcc0">
+    <dgm:scene3d>
+      <a:camera prst="orthographicFront"/>
+      <a:lightRig rig="threePt" dir="t"/>
+    </dgm:scene3d>
+    <dgm:sp3d/>
+    <dgm:txPr/>
+    <dgm:style>
+      <a:lnRef idx="2">
+        <a:scrgbClr r="0" g="0" b="0"/>
+      </a:lnRef>
+      <a:fillRef idx="1">
+        <a:scrgbClr r="0" g="0" b="0"/>
+      </a:fillRef>
+      <a:effectRef idx="0">
+        <a:scrgbClr r="0" g="0" b="0"/>
+      </a:effectRef>
+      <a:fontRef idx="minor"/>
+    </dgm:style>
+  </dgm:styleLbl>
+  <dgm:styleLbl name="fgAcc2">
+    <dgm:scene3d>
+      <a:camera prst="orthographicFront"/>
+      <a:lightRig rig="threePt" dir="t"/>
+    </dgm:scene3d>
+    <dgm:sp3d/>
+    <dgm:txPr/>
+    <dgm:style>
+      <a:lnRef idx="2">
+        <a:scrgbClr r="0" g="0" b="0"/>
+      </a:lnRef>
+      <a:fillRef idx="1">
+        <a:scrgbClr r="0" g="0" b="0"/>
+      </a:fillRef>
+      <a:effectRef idx="0">
+        <a:scrgbClr r="0" g="0" b="0"/>
+      </a:effectRef>
+      <a:fontRef idx="minor"/>
+    </dgm:style>
+  </dgm:styleLbl>
+  <dgm:styleLbl name="fgAcc3">
+    <dgm:scene3d>
+      <a:camera prst="orthographicFront"/>
+      <a:lightRig rig="threePt" dir="t"/>
+    </dgm:scene3d>
+    <dgm:sp3d/>
+    <dgm:txPr/>
+    <dgm:style>
+      <a:lnRef idx="2">
+        <a:scrgbClr r="0" g="0" b="0"/>
+      </a:lnRef>
+      <a:fillRef idx="1">
+        <a:scrgbClr r="0" g="0" b="0"/>
+      </a:fillRef>
+      <a:effectRef idx="0">
+        <a:scrgbClr r="0" g="0" b="0"/>
+      </a:effectRef>
+      <a:fontRef idx="minor"/>
+    </dgm:style>
+  </dgm:styleLbl>
+  <dgm:styleLbl name="fgAcc4">
+    <dgm:scene3d>
+      <a:camera prst="orthographicFront"/>
+      <a:lightRig rig="threePt" dir="t"/>
+    </dgm:scene3d>
+    <dgm:sp3d/>
+    <dgm:txPr/>
+    <dgm:style>
+      <a:lnRef idx="2">
+        <a:scrgbClr r="0" g="0" b="0"/>
+      </a:lnRef>
+      <a:fillRef idx="1">
+        <a:scrgbClr r="0" g="0" b="0"/>
+      </a:fillRef>
+      <a:effectRef idx="0">
+        <a:scrgbClr r="0" g="0" b="0"/>
+      </a:effectRef>
+      <a:fontRef idx="minor"/>
+    </dgm:style>
+  </dgm:styleLbl>
+  <dgm:styleLbl name="bgShp">
+    <dgm:scene3d>
+      <a:camera prst="orthographicFront"/>
+      <a:lightRig rig="threePt" dir="t"/>
+    </dgm:scene3d>
+    <dgm:sp3d/>
+    <dgm:txPr/>
+    <dgm:style>
+      <a:lnRef idx="0">
+        <a:scrgbClr r="0" g="0" b="0"/>
+      </a:lnRef>
+      <a:fillRef idx="1">
+        <a:scrgbClr r="0" g="0" b="0"/>
+      </a:fillRef>
+      <a:effectRef idx="0">
+        <a:scrgbClr r="0" g="0" b="0"/>
+      </a:effectRef>
+      <a:fontRef idx="minor"/>
+    </dgm:style>
+  </dgm:styleLbl>
+  <dgm:styleLbl name="dkBgShp">
+    <dgm:scene3d>
+      <a:camera prst="orthographicFront"/>
+      <a:lightRig rig="threePt" dir="t"/>
+    </dgm:scene3d>
+    <dgm:sp3d/>
+    <dgm:txPr/>
+    <dgm:style>
+      <a:lnRef idx="0">
+        <a:scrgbClr r="0" g="0" b="0"/>
+      </a:lnRef>
+      <a:fillRef idx="1">
+        <a:scrgbClr r="0" g="0" b="0"/>
+      </a:fillRef>
+      <a:effectRef idx="0">
+        <a:scrgbClr r="0" g="0" b="0"/>
+      </a:effectRef>
+      <a:fontRef idx="minor"/>
+    </dgm:style>
+  </dgm:styleLbl>
+  <dgm:styleLbl name="trBgShp">
+    <dgm:scene3d>
+      <a:camera prst="orthographicFront"/>
+      <a:lightRig rig="threePt" dir="t"/>
+    </dgm:scene3d>
+    <dgm:sp3d/>
+    <dgm:txPr/>
+    <dgm:style>
+      <a:lnRef idx="0">
+        <a:scrgbClr r="0" g="0" b="0"/>
+      </a:lnRef>
+      <a:fillRef idx="1">
+        <a:scrgbClr r="0" g="0" b="0"/>
+      </a:fillRef>
+      <a:effectRef idx="0">
+        <a:scrgbClr r="0" g="0" b="0"/>
+      </a:effectRef>
+      <a:fontRef idx="minor"/>
+    </dgm:style>
+  </dgm:styleLbl>
+  <dgm:styleLbl name="fgShp">
+    <dgm:scene3d>
+      <a:camera prst="orthographicFront"/>
+      <a:lightRig rig="threePt" dir="t"/>
+    </dgm:scene3d>
+    <dgm:sp3d/>
+    <dgm:txPr/>
+    <dgm:style>
+      <a:lnRef idx="2">
+        <a:scrgbClr r="0" g="0" b="0"/>
+      </a:lnRef>
+      <a:fillRef idx="1">
+        <a:scrgbClr r="0" g="0" b="0"/>
+      </a:fillRef>
+      <a:effectRef idx="0">
+        <a:scrgbClr r="0" g="0" b="0"/>
+      </a:effectRef>
+      <a:fontRef idx="minor"/>
+    </dgm:style>
+  </dgm:styleLbl>
+  <dgm:styleLbl name="revTx">
+    <dgm:scene3d>
+      <a:camera prst="orthographicFront"/>
+      <a:lightRig rig="threePt" dir="t"/>
+    </dgm:scene3d>
+    <dgm:sp3d/>
+    <dgm:txPr/>
+    <dgm:style>
+      <a:lnRef idx="0">
+        <a:scrgbClr r="0" g="0" b="0"/>
+      </a:lnRef>
+      <a:fillRef idx="0">
+        <a:scrgbClr r="0" g="0" b="0"/>
+      </a:fillRef>
+      <a:effectRef idx="0">
+        <a:scrgbClr r="0" g="0" b="0"/>
+      </a:effectRef>
+      <a:fontRef idx="minor"/>
+    </dgm:style>
+  </dgm:styleLbl>
+</dgm:styleDef>
+</file>
+
 <file path=ppt/slideLayouts/slideLayout1.xml><?xml version="1.0" encoding="utf-8"?>
 <p:sldLayout xmlns:a="http://schemas.openxmlformats.org/drawingml/2006/main" xmlns:r="http://schemas.openxmlformats.org/officeDocument/2006/relationships" xmlns:p="http://schemas.openxmlformats.org/presentationml/2006/main" type="title" preserve="1">
   <p:cSld name="Титульный слайд">
@@ -288,7 +3132,8 @@
           <a:p>
             <a:fld id="{AF82A5BD-CF79-4D9B-9981-B9C5458F1737}" type="datetimeFigureOut">
               <a:rPr lang="ru-RU" smtClean="0"/>
-              <a:t>11.07.2017</a:t>
+              <a:pPr/>
+              <a:t>12.07.2017</a:t>
             </a:fld>
             <a:endParaRPr lang="ru-RU"/>
           </a:p>
@@ -330,6 +3175,7 @@
           <a:p>
             <a:fld id="{51B085EE-3788-4B52-9217-E064CBD39609}" type="slidenum">
               <a:rPr lang="ru-RU" smtClean="0"/>
+              <a:pPr/>
               <a:t>‹#›</a:t>
             </a:fld>
             <a:endParaRPr lang="ru-RU"/>
@@ -453,7 +3299,8 @@
           <a:p>
             <a:fld id="{AF82A5BD-CF79-4D9B-9981-B9C5458F1737}" type="datetimeFigureOut">
               <a:rPr lang="ru-RU" smtClean="0"/>
-              <a:t>11.07.2017</a:t>
+              <a:pPr/>
+              <a:t>12.07.2017</a:t>
             </a:fld>
             <a:endParaRPr lang="ru-RU"/>
           </a:p>
@@ -495,6 +3342,7 @@
           <a:p>
             <a:fld id="{51B085EE-3788-4B52-9217-E064CBD39609}" type="slidenum">
               <a:rPr lang="ru-RU" smtClean="0"/>
+              <a:pPr/>
               <a:t>‹#›</a:t>
             </a:fld>
             <a:endParaRPr lang="ru-RU"/>
@@ -628,7 +3476,8 @@
           <a:p>
             <a:fld id="{AF82A5BD-CF79-4D9B-9981-B9C5458F1737}" type="datetimeFigureOut">
               <a:rPr lang="ru-RU" smtClean="0"/>
-              <a:t>11.07.2017</a:t>
+              <a:pPr/>
+              <a:t>12.07.2017</a:t>
             </a:fld>
             <a:endParaRPr lang="ru-RU"/>
           </a:p>
@@ -670,6 +3519,7 @@
           <a:p>
             <a:fld id="{51B085EE-3788-4B52-9217-E064CBD39609}" type="slidenum">
               <a:rPr lang="ru-RU" smtClean="0"/>
+              <a:pPr/>
               <a:t>‹#›</a:t>
             </a:fld>
             <a:endParaRPr lang="ru-RU"/>
@@ -793,7 +3643,8 @@
           <a:p>
             <a:fld id="{AF82A5BD-CF79-4D9B-9981-B9C5458F1737}" type="datetimeFigureOut">
               <a:rPr lang="ru-RU" smtClean="0"/>
-              <a:t>11.07.2017</a:t>
+              <a:pPr/>
+              <a:t>12.07.2017</a:t>
             </a:fld>
             <a:endParaRPr lang="ru-RU"/>
           </a:p>
@@ -835,6 +3686,7 @@
           <a:p>
             <a:fld id="{51B085EE-3788-4B52-9217-E064CBD39609}" type="slidenum">
               <a:rPr lang="ru-RU" smtClean="0"/>
+              <a:pPr/>
               <a:t>‹#›</a:t>
             </a:fld>
             <a:endParaRPr lang="ru-RU"/>
@@ -1034,7 +3886,8 @@
           <a:p>
             <a:fld id="{AF82A5BD-CF79-4D9B-9981-B9C5458F1737}" type="datetimeFigureOut">
               <a:rPr lang="ru-RU" smtClean="0"/>
-              <a:t>11.07.2017</a:t>
+              <a:pPr/>
+              <a:t>12.07.2017</a:t>
             </a:fld>
             <a:endParaRPr lang="ru-RU"/>
           </a:p>
@@ -1076,6 +3929,7 @@
           <a:p>
             <a:fld id="{51B085EE-3788-4B52-9217-E064CBD39609}" type="slidenum">
               <a:rPr lang="ru-RU" smtClean="0"/>
+              <a:pPr/>
               <a:t>‹#›</a:t>
             </a:fld>
             <a:endParaRPr lang="ru-RU"/>
@@ -1317,7 +4171,8 @@
           <a:p>
             <a:fld id="{AF82A5BD-CF79-4D9B-9981-B9C5458F1737}" type="datetimeFigureOut">
               <a:rPr lang="ru-RU" smtClean="0"/>
-              <a:t>11.07.2017</a:t>
+              <a:pPr/>
+              <a:t>12.07.2017</a:t>
             </a:fld>
             <a:endParaRPr lang="ru-RU"/>
           </a:p>
@@ -1359,6 +4214,7 @@
           <a:p>
             <a:fld id="{51B085EE-3788-4B52-9217-E064CBD39609}" type="slidenum">
               <a:rPr lang="ru-RU" smtClean="0"/>
+              <a:pPr/>
               <a:t>‹#›</a:t>
             </a:fld>
             <a:endParaRPr lang="ru-RU"/>
@@ -1734,7 +4590,8 @@
           <a:p>
             <a:fld id="{AF82A5BD-CF79-4D9B-9981-B9C5458F1737}" type="datetimeFigureOut">
               <a:rPr lang="ru-RU" smtClean="0"/>
-              <a:t>11.07.2017</a:t>
+              <a:pPr/>
+              <a:t>12.07.2017</a:t>
             </a:fld>
             <a:endParaRPr lang="ru-RU"/>
           </a:p>
@@ -1776,6 +4633,7 @@
           <a:p>
             <a:fld id="{51B085EE-3788-4B52-9217-E064CBD39609}" type="slidenum">
               <a:rPr lang="ru-RU" smtClean="0"/>
+              <a:pPr/>
               <a:t>‹#›</a:t>
             </a:fld>
             <a:endParaRPr lang="ru-RU"/>
@@ -1847,7 +4705,8 @@
           <a:p>
             <a:fld id="{AF82A5BD-CF79-4D9B-9981-B9C5458F1737}" type="datetimeFigureOut">
               <a:rPr lang="ru-RU" smtClean="0"/>
-              <a:t>11.07.2017</a:t>
+              <a:pPr/>
+              <a:t>12.07.2017</a:t>
             </a:fld>
             <a:endParaRPr lang="ru-RU"/>
           </a:p>
@@ -1889,6 +4748,7 @@
           <a:p>
             <a:fld id="{51B085EE-3788-4B52-9217-E064CBD39609}" type="slidenum">
               <a:rPr lang="ru-RU" smtClean="0"/>
+              <a:pPr/>
               <a:t>‹#›</a:t>
             </a:fld>
             <a:endParaRPr lang="ru-RU"/>
@@ -1937,7 +4797,8 @@
           <a:p>
             <a:fld id="{AF82A5BD-CF79-4D9B-9981-B9C5458F1737}" type="datetimeFigureOut">
               <a:rPr lang="ru-RU" smtClean="0"/>
-              <a:t>11.07.2017</a:t>
+              <a:pPr/>
+              <a:t>12.07.2017</a:t>
             </a:fld>
             <a:endParaRPr lang="ru-RU"/>
           </a:p>
@@ -1979,6 +4840,7 @@
           <a:p>
             <a:fld id="{51B085EE-3788-4B52-9217-E064CBD39609}" type="slidenum">
               <a:rPr lang="ru-RU" smtClean="0"/>
+              <a:pPr/>
               <a:t>‹#›</a:t>
             </a:fld>
             <a:endParaRPr lang="ru-RU"/>
@@ -2209,7 +5071,8 @@
           <a:p>
             <a:fld id="{AF82A5BD-CF79-4D9B-9981-B9C5458F1737}" type="datetimeFigureOut">
               <a:rPr lang="ru-RU" smtClean="0"/>
-              <a:t>11.07.2017</a:t>
+              <a:pPr/>
+              <a:t>12.07.2017</a:t>
             </a:fld>
             <a:endParaRPr lang="ru-RU"/>
           </a:p>
@@ -2251,6 +5114,7 @@
           <a:p>
             <a:fld id="{51B085EE-3788-4B52-9217-E064CBD39609}" type="slidenum">
               <a:rPr lang="ru-RU" smtClean="0"/>
+              <a:pPr/>
               <a:t>‹#›</a:t>
             </a:fld>
             <a:endParaRPr lang="ru-RU"/>
@@ -2457,7 +5321,8 @@
           <a:p>
             <a:fld id="{AF82A5BD-CF79-4D9B-9981-B9C5458F1737}" type="datetimeFigureOut">
               <a:rPr lang="ru-RU" smtClean="0"/>
-              <a:t>11.07.2017</a:t>
+              <a:pPr/>
+              <a:t>12.07.2017</a:t>
             </a:fld>
             <a:endParaRPr lang="ru-RU"/>
           </a:p>
@@ -2499,6 +5364,7 @@
           <a:p>
             <a:fld id="{51B085EE-3788-4B52-9217-E064CBD39609}" type="slidenum">
               <a:rPr lang="ru-RU" smtClean="0"/>
+              <a:pPr/>
               <a:t>‹#›</a:t>
             </a:fld>
             <a:endParaRPr lang="ru-RU"/>
@@ -2665,7 +5531,8 @@
           <a:p>
             <a:fld id="{AF82A5BD-CF79-4D9B-9981-B9C5458F1737}" type="datetimeFigureOut">
               <a:rPr lang="ru-RU" smtClean="0"/>
-              <a:t>11.07.2017</a:t>
+              <a:pPr/>
+              <a:t>12.07.2017</a:t>
             </a:fld>
             <a:endParaRPr lang="ru-RU"/>
           </a:p>
@@ -2743,6 +5610,7 @@
           <a:p>
             <a:fld id="{51B085EE-3788-4B52-9217-E064CBD39609}" type="slidenum">
               <a:rPr lang="ru-RU" smtClean="0"/>
+              <a:pPr/>
               <a:t>‹#›</a:t>
             </a:fld>
             <a:endParaRPr lang="ru-RU"/>
@@ -3469,6 +6337,1013 @@
             <a:avLst/>
           </a:prstGeom>
           <a:ln w="38100"/>
+        </p:spPr>
+        <p:style>
+          <a:lnRef idx="1">
+            <a:schemeClr val="accent1"/>
+          </a:lnRef>
+          <a:fillRef idx="0">
+            <a:schemeClr val="accent1"/>
+          </a:fillRef>
+          <a:effectRef idx="0">
+            <a:schemeClr val="accent1"/>
+          </a:effectRef>
+          <a:fontRef idx="minor">
+            <a:schemeClr val="tx1"/>
+          </a:fontRef>
+        </p:style>
+      </p:cxnSp>
+    </p:spTree>
+  </p:cSld>
+  <p:clrMapOvr>
+    <a:masterClrMapping/>
+  </p:clrMapOvr>
+</p:sld>
+</file>
+
+<file path=ppt/slides/slide2.xml><?xml version="1.0" encoding="utf-8"?>
+<p:sld xmlns:a="http://schemas.openxmlformats.org/drawingml/2006/main" xmlns:r="http://schemas.openxmlformats.org/officeDocument/2006/relationships" xmlns:p="http://schemas.openxmlformats.org/presentationml/2006/main">
+  <p:cSld>
+    <p:spTree>
+      <p:nvGrpSpPr>
+        <p:cNvPr id="1" name=""/>
+        <p:cNvGrpSpPr/>
+        <p:nvPr/>
+      </p:nvGrpSpPr>
+      <p:grpSpPr>
+        <a:xfrm>
+          <a:off x="0" y="0"/>
+          <a:ext cx="0" cy="0"/>
+          <a:chOff x="0" y="0"/>
+          <a:chExt cx="0" cy="0"/>
+        </a:xfrm>
+      </p:grpSpPr>
+      <p:graphicFrame>
+        <p:nvGraphicFramePr>
+          <p:cNvPr id="4" name="Схема 3"/>
+          <p:cNvGraphicFramePr/>
+          <p:nvPr/>
+        </p:nvGraphicFramePr>
+        <p:xfrm>
+          <a:off x="1524000" y="404664"/>
+          <a:ext cx="6096000" cy="6120680"/>
+        </p:xfrm>
+        <a:graphic>
+          <a:graphicData uri="http://schemas.openxmlformats.org/drawingml/2006/diagram">
+            <dgm:relIds xmlns:dgm="http://schemas.openxmlformats.org/drawingml/2006/diagram" xmlns:r="http://schemas.openxmlformats.org/officeDocument/2006/relationships" r:dm="rId2" r:lo="rId3" r:qs="rId4" r:cs="rId5"/>
+          </a:graphicData>
+        </a:graphic>
+      </p:graphicFrame>
+    </p:spTree>
+  </p:cSld>
+  <p:clrMapOvr>
+    <a:masterClrMapping/>
+  </p:clrMapOvr>
+</p:sld>
+</file>
+
+<file path=ppt/slides/slide3.xml><?xml version="1.0" encoding="utf-8"?>
+<p:sld xmlns:a="http://schemas.openxmlformats.org/drawingml/2006/main" xmlns:r="http://schemas.openxmlformats.org/officeDocument/2006/relationships" xmlns:p="http://schemas.openxmlformats.org/presentationml/2006/main">
+  <p:cSld>
+    <p:spTree>
+      <p:nvGrpSpPr>
+        <p:cNvPr id="1" name=""/>
+        <p:cNvGrpSpPr/>
+        <p:nvPr/>
+      </p:nvGrpSpPr>
+      <p:grpSpPr>
+        <a:xfrm>
+          <a:off x="0" y="0"/>
+          <a:ext cx="0" cy="0"/>
+          <a:chOff x="0" y="0"/>
+          <a:chExt cx="0" cy="0"/>
+        </a:xfrm>
+      </p:grpSpPr>
+      <p:sp>
+        <p:nvSpPr>
+          <p:cNvPr id="4" name="Прямоугольник 3"/>
+          <p:cNvSpPr/>
+          <p:nvPr/>
+        </p:nvSpPr>
+        <p:spPr>
+          <a:xfrm>
+            <a:off x="179512" y="260648"/>
+            <a:ext cx="3888432" cy="6408712"/>
+          </a:xfrm>
+          <a:prstGeom prst="rect">
+            <a:avLst/>
+          </a:prstGeom>
+          <a:solidFill>
+            <a:schemeClr val="accent1">
+              <a:lumMod val="40000"/>
+              <a:lumOff val="60000"/>
+            </a:schemeClr>
+          </a:solidFill>
+        </p:spPr>
+        <p:style>
+          <a:lnRef idx="2">
+            <a:schemeClr val="accent1">
+              <a:shade val="50000"/>
+            </a:schemeClr>
+          </a:lnRef>
+          <a:fillRef idx="1">
+            <a:schemeClr val="accent1"/>
+          </a:fillRef>
+          <a:effectRef idx="0">
+            <a:schemeClr val="accent1"/>
+          </a:effectRef>
+          <a:fontRef idx="minor">
+            <a:schemeClr val="lt1"/>
+          </a:fontRef>
+        </p:style>
+        <p:txBody>
+          <a:bodyPr rtlCol="0" anchor="ctr"/>
+          <a:lstStyle/>
+          <a:p>
+            <a:pPr algn="ctr"/>
+            <a:endParaRPr lang="ru-RU"/>
+          </a:p>
+        </p:txBody>
+      </p:sp>
+      <p:sp>
+        <p:nvSpPr>
+          <p:cNvPr id="5" name="Прямоугольник 4"/>
+          <p:cNvSpPr/>
+          <p:nvPr/>
+        </p:nvSpPr>
+        <p:spPr>
+          <a:xfrm>
+            <a:off x="5076056" y="260648"/>
+            <a:ext cx="3888432" cy="6408712"/>
+          </a:xfrm>
+          <a:prstGeom prst="rect">
+            <a:avLst/>
+          </a:prstGeom>
+          <a:solidFill>
+            <a:schemeClr val="accent1">
+              <a:lumMod val="40000"/>
+              <a:lumOff val="60000"/>
+            </a:schemeClr>
+          </a:solidFill>
+        </p:spPr>
+        <p:style>
+          <a:lnRef idx="2">
+            <a:schemeClr val="accent1">
+              <a:shade val="50000"/>
+            </a:schemeClr>
+          </a:lnRef>
+          <a:fillRef idx="1">
+            <a:schemeClr val="accent1"/>
+          </a:fillRef>
+          <a:effectRef idx="0">
+            <a:schemeClr val="accent1"/>
+          </a:effectRef>
+          <a:fontRef idx="minor">
+            <a:schemeClr val="lt1"/>
+          </a:fontRef>
+        </p:style>
+        <p:txBody>
+          <a:bodyPr rtlCol="0" anchor="ctr"/>
+          <a:lstStyle/>
+          <a:p>
+            <a:pPr algn="ctr"/>
+            <a:endParaRPr lang="ru-RU"/>
+          </a:p>
+        </p:txBody>
+      </p:sp>
+      <p:sp>
+        <p:nvSpPr>
+          <p:cNvPr id="6" name="TextBox 5"/>
+          <p:cNvSpPr txBox="1"/>
+          <p:nvPr/>
+        </p:nvSpPr>
+        <p:spPr>
+          <a:xfrm>
+            <a:off x="251520" y="332656"/>
+            <a:ext cx="1296144" cy="369332"/>
+          </a:xfrm>
+          <a:prstGeom prst="rect">
+            <a:avLst/>
+          </a:prstGeom>
+          <a:noFill/>
+        </p:spPr>
+        <p:txBody>
+          <a:bodyPr wrap="square" rtlCol="0">
+            <a:spAutoFit/>
+          </a:bodyPr>
+          <a:lstStyle/>
+          <a:p>
+            <a:r>
+              <a:rPr lang="ru-RU" dirty="0" smtClean="0"/>
+              <a:t>Клиент</a:t>
+            </a:r>
+            <a:endParaRPr lang="ru-RU" dirty="0"/>
+          </a:p>
+        </p:txBody>
+      </p:sp>
+      <p:sp>
+        <p:nvSpPr>
+          <p:cNvPr id="7" name="TextBox 6"/>
+          <p:cNvSpPr txBox="1"/>
+          <p:nvPr/>
+        </p:nvSpPr>
+        <p:spPr>
+          <a:xfrm>
+            <a:off x="5148064" y="332656"/>
+            <a:ext cx="1296144" cy="369332"/>
+          </a:xfrm>
+          <a:prstGeom prst="rect">
+            <a:avLst/>
+          </a:prstGeom>
+          <a:noFill/>
+        </p:spPr>
+        <p:txBody>
+          <a:bodyPr wrap="square" rtlCol="0">
+            <a:spAutoFit/>
+          </a:bodyPr>
+          <a:lstStyle/>
+          <a:p>
+            <a:r>
+              <a:rPr lang="ru-RU" dirty="0" smtClean="0"/>
+              <a:t>Сервер</a:t>
+            </a:r>
+            <a:endParaRPr lang="ru-RU" dirty="0"/>
+          </a:p>
+        </p:txBody>
+      </p:sp>
+      <p:sp>
+        <p:nvSpPr>
+          <p:cNvPr id="8" name="Прямоугольник 7"/>
+          <p:cNvSpPr/>
+          <p:nvPr/>
+        </p:nvSpPr>
+        <p:spPr>
+          <a:xfrm>
+            <a:off x="539552" y="764704"/>
+            <a:ext cx="2952328" cy="648072"/>
+          </a:xfrm>
+          <a:prstGeom prst="rect">
+            <a:avLst/>
+          </a:prstGeom>
+        </p:spPr>
+        <p:style>
+          <a:lnRef idx="2">
+            <a:schemeClr val="accent1">
+              <a:shade val="50000"/>
+            </a:schemeClr>
+          </a:lnRef>
+          <a:fillRef idx="1">
+            <a:schemeClr val="accent1"/>
+          </a:fillRef>
+          <a:effectRef idx="0">
+            <a:schemeClr val="accent1"/>
+          </a:effectRef>
+          <a:fontRef idx="minor">
+            <a:schemeClr val="lt1"/>
+          </a:fontRef>
+        </p:style>
+        <p:txBody>
+          <a:bodyPr rtlCol="0" anchor="ctr"/>
+          <a:lstStyle/>
+          <a:p>
+            <a:pPr algn="ctr"/>
+            <a:r>
+              <a:rPr lang="ru-RU" dirty="0" smtClean="0"/>
+              <a:t>Клиент </a:t>
+            </a:r>
+            <a:r>
+              <a:rPr lang="ru-RU" dirty="0" err="1" smtClean="0"/>
+              <a:t>веб-сервис</a:t>
+            </a:r>
+            <a:r>
+              <a:rPr lang="ru-RU" dirty="0" err="1" smtClean="0"/>
+              <a:t>а</a:t>
+            </a:r>
+            <a:endParaRPr lang="ru-RU" dirty="0"/>
+          </a:p>
+        </p:txBody>
+      </p:sp>
+      <p:sp>
+        <p:nvSpPr>
+          <p:cNvPr id="9" name="Прямоугольник 8"/>
+          <p:cNvSpPr/>
+          <p:nvPr/>
+        </p:nvSpPr>
+        <p:spPr>
+          <a:xfrm>
+            <a:off x="539552" y="2204864"/>
+            <a:ext cx="2952328" cy="648072"/>
+          </a:xfrm>
+          <a:prstGeom prst="rect">
+            <a:avLst/>
+          </a:prstGeom>
+        </p:spPr>
+        <p:style>
+          <a:lnRef idx="2">
+            <a:schemeClr val="accent1">
+              <a:shade val="50000"/>
+            </a:schemeClr>
+          </a:lnRef>
+          <a:fillRef idx="1">
+            <a:schemeClr val="accent1"/>
+          </a:fillRef>
+          <a:effectRef idx="0">
+            <a:schemeClr val="accent1"/>
+          </a:effectRef>
+          <a:fontRef idx="minor">
+            <a:schemeClr val="lt1"/>
+          </a:fontRef>
+        </p:style>
+        <p:txBody>
+          <a:bodyPr rtlCol="0" anchor="ctr"/>
+          <a:lstStyle/>
+          <a:p>
+            <a:pPr algn="ctr"/>
+            <a:r>
+              <a:rPr lang="ru-RU" dirty="0" err="1" smtClean="0"/>
+              <a:t>Прокси</a:t>
+            </a:r>
+            <a:endParaRPr lang="ru-RU" dirty="0"/>
+          </a:p>
+        </p:txBody>
+      </p:sp>
+      <p:sp>
+        <p:nvSpPr>
+          <p:cNvPr id="10" name="Прямоугольник 9"/>
+          <p:cNvSpPr/>
+          <p:nvPr/>
+        </p:nvSpPr>
+        <p:spPr>
+          <a:xfrm>
+            <a:off x="539552" y="3861048"/>
+            <a:ext cx="2952328" cy="648072"/>
+          </a:xfrm>
+          <a:prstGeom prst="rect">
+            <a:avLst/>
+          </a:prstGeom>
+        </p:spPr>
+        <p:style>
+          <a:lnRef idx="2">
+            <a:schemeClr val="accent1">
+              <a:shade val="50000"/>
+            </a:schemeClr>
+          </a:lnRef>
+          <a:fillRef idx="1">
+            <a:schemeClr val="accent1"/>
+          </a:fillRef>
+          <a:effectRef idx="0">
+            <a:schemeClr val="accent1"/>
+          </a:effectRef>
+          <a:fontRef idx="minor">
+            <a:schemeClr val="lt1"/>
+          </a:fontRef>
+        </p:style>
+        <p:txBody>
+          <a:bodyPr rtlCol="0" anchor="ctr"/>
+          <a:lstStyle/>
+          <a:p>
+            <a:pPr algn="ctr"/>
+            <a:r>
+              <a:rPr lang="en-US" dirty="0" smtClean="0"/>
+              <a:t>.NET</a:t>
+            </a:r>
+            <a:endParaRPr lang="ru-RU" dirty="0"/>
+          </a:p>
+        </p:txBody>
+      </p:sp>
+      <p:sp>
+        <p:nvSpPr>
+          <p:cNvPr id="11" name="Прямоугольник 10"/>
+          <p:cNvSpPr/>
+          <p:nvPr/>
+        </p:nvSpPr>
+        <p:spPr>
+          <a:xfrm>
+            <a:off x="539552" y="5445224"/>
+            <a:ext cx="2952328" cy="648072"/>
+          </a:xfrm>
+          <a:prstGeom prst="rect">
+            <a:avLst/>
+          </a:prstGeom>
+        </p:spPr>
+        <p:style>
+          <a:lnRef idx="2">
+            <a:schemeClr val="accent1">
+              <a:shade val="50000"/>
+            </a:schemeClr>
+          </a:lnRef>
+          <a:fillRef idx="1">
+            <a:schemeClr val="accent1"/>
+          </a:fillRef>
+          <a:effectRef idx="0">
+            <a:schemeClr val="accent1"/>
+          </a:effectRef>
+          <a:fontRef idx="minor">
+            <a:schemeClr val="lt1"/>
+          </a:fontRef>
+        </p:style>
+        <p:txBody>
+          <a:bodyPr rtlCol="0" anchor="ctr"/>
+          <a:lstStyle/>
+          <a:p>
+            <a:pPr algn="ctr"/>
+            <a:r>
+              <a:rPr lang="en-US" dirty="0" smtClean="0"/>
+              <a:t>HTTP</a:t>
+            </a:r>
+            <a:endParaRPr lang="ru-RU" dirty="0"/>
+          </a:p>
+        </p:txBody>
+      </p:sp>
+      <p:sp>
+        <p:nvSpPr>
+          <p:cNvPr id="12" name="Прямоугольник 11"/>
+          <p:cNvSpPr/>
+          <p:nvPr/>
+        </p:nvSpPr>
+        <p:spPr>
+          <a:xfrm>
+            <a:off x="5508104" y="764704"/>
+            <a:ext cx="2952328" cy="648072"/>
+          </a:xfrm>
+          <a:prstGeom prst="rect">
+            <a:avLst/>
+          </a:prstGeom>
+        </p:spPr>
+        <p:style>
+          <a:lnRef idx="2">
+            <a:schemeClr val="accent1">
+              <a:shade val="50000"/>
+            </a:schemeClr>
+          </a:lnRef>
+          <a:fillRef idx="1">
+            <a:schemeClr val="accent1"/>
+          </a:fillRef>
+          <a:effectRef idx="0">
+            <a:schemeClr val="accent1"/>
+          </a:effectRef>
+          <a:fontRef idx="minor">
+            <a:schemeClr val="lt1"/>
+          </a:fontRef>
+        </p:style>
+        <p:txBody>
+          <a:bodyPr rtlCol="0" anchor="ctr"/>
+          <a:lstStyle/>
+          <a:p>
+            <a:pPr algn="ctr"/>
+            <a:r>
+              <a:rPr lang="ru-RU" dirty="0" err="1" smtClean="0"/>
+              <a:t>Веб-сервис</a:t>
+            </a:r>
+            <a:endParaRPr lang="ru-RU" dirty="0"/>
+          </a:p>
+        </p:txBody>
+      </p:sp>
+      <p:sp>
+        <p:nvSpPr>
+          <p:cNvPr id="13" name="Прямоугольник 12"/>
+          <p:cNvSpPr/>
+          <p:nvPr/>
+        </p:nvSpPr>
+        <p:spPr>
+          <a:xfrm>
+            <a:off x="5508104" y="2204864"/>
+            <a:ext cx="2952328" cy="648072"/>
+          </a:xfrm>
+          <a:prstGeom prst="rect">
+            <a:avLst/>
+          </a:prstGeom>
+        </p:spPr>
+        <p:style>
+          <a:lnRef idx="2">
+            <a:schemeClr val="accent1">
+              <a:shade val="50000"/>
+            </a:schemeClr>
+          </a:lnRef>
+          <a:fillRef idx="1">
+            <a:schemeClr val="accent1"/>
+          </a:fillRef>
+          <a:effectRef idx="0">
+            <a:schemeClr val="accent1"/>
+          </a:effectRef>
+          <a:fontRef idx="minor">
+            <a:schemeClr val="lt1"/>
+          </a:fontRef>
+        </p:style>
+        <p:txBody>
+          <a:bodyPr rtlCol="0" anchor="ctr"/>
+          <a:lstStyle/>
+          <a:p>
+            <a:pPr algn="ctr"/>
+            <a:r>
+              <a:rPr lang="en-US" dirty="0" smtClean="0"/>
+              <a:t>ASP.NET</a:t>
+            </a:r>
+            <a:endParaRPr lang="ru-RU" dirty="0"/>
+          </a:p>
+        </p:txBody>
+      </p:sp>
+      <p:sp>
+        <p:nvSpPr>
+          <p:cNvPr id="14" name="Прямоугольник 13"/>
+          <p:cNvSpPr/>
+          <p:nvPr/>
+        </p:nvSpPr>
+        <p:spPr>
+          <a:xfrm>
+            <a:off x="5508104" y="3861048"/>
+            <a:ext cx="2952328" cy="648072"/>
+          </a:xfrm>
+          <a:prstGeom prst="rect">
+            <a:avLst/>
+          </a:prstGeom>
+        </p:spPr>
+        <p:style>
+          <a:lnRef idx="2">
+            <a:schemeClr val="accent1">
+              <a:shade val="50000"/>
+            </a:schemeClr>
+          </a:lnRef>
+          <a:fillRef idx="1">
+            <a:schemeClr val="accent1"/>
+          </a:fillRef>
+          <a:effectRef idx="0">
+            <a:schemeClr val="accent1"/>
+          </a:effectRef>
+          <a:fontRef idx="minor">
+            <a:schemeClr val="lt1"/>
+          </a:fontRef>
+        </p:style>
+        <p:txBody>
+          <a:bodyPr rtlCol="0" anchor="ctr"/>
+          <a:lstStyle/>
+          <a:p>
+            <a:pPr algn="ctr"/>
+            <a:r>
+              <a:rPr lang="en-US" dirty="0" smtClean="0"/>
+              <a:t>IIS</a:t>
+            </a:r>
+            <a:endParaRPr lang="ru-RU" dirty="0"/>
+          </a:p>
+        </p:txBody>
+      </p:sp>
+      <p:sp>
+        <p:nvSpPr>
+          <p:cNvPr id="15" name="Прямоугольник 14"/>
+          <p:cNvSpPr/>
+          <p:nvPr/>
+        </p:nvSpPr>
+        <p:spPr>
+          <a:xfrm>
+            <a:off x="5508104" y="5445224"/>
+            <a:ext cx="2952328" cy="648072"/>
+          </a:xfrm>
+          <a:prstGeom prst="rect">
+            <a:avLst/>
+          </a:prstGeom>
+        </p:spPr>
+        <p:style>
+          <a:lnRef idx="2">
+            <a:schemeClr val="accent1">
+              <a:shade val="50000"/>
+            </a:schemeClr>
+          </a:lnRef>
+          <a:fillRef idx="1">
+            <a:schemeClr val="accent1"/>
+          </a:fillRef>
+          <a:effectRef idx="0">
+            <a:schemeClr val="accent1"/>
+          </a:effectRef>
+          <a:fontRef idx="minor">
+            <a:schemeClr val="lt1"/>
+          </a:fontRef>
+        </p:style>
+        <p:txBody>
+          <a:bodyPr rtlCol="0" anchor="ctr"/>
+          <a:lstStyle/>
+          <a:p>
+            <a:pPr algn="ctr"/>
+            <a:r>
+              <a:rPr lang="en-US" dirty="0" smtClean="0"/>
+              <a:t>HTTP</a:t>
+            </a:r>
+            <a:endParaRPr lang="ru-RU" dirty="0"/>
+          </a:p>
+        </p:txBody>
+      </p:sp>
+      <p:cxnSp>
+        <p:nvCxnSpPr>
+          <p:cNvPr id="17" name="Прямая со стрелкой 16"/>
+          <p:cNvCxnSpPr/>
+          <p:nvPr/>
+        </p:nvCxnSpPr>
+        <p:spPr>
+          <a:xfrm>
+            <a:off x="3491880" y="5589240"/>
+            <a:ext cx="2016224" cy="0"/>
+          </a:xfrm>
+          <a:prstGeom prst="straightConnector1">
+            <a:avLst/>
+          </a:prstGeom>
+          <a:ln w="38100">
+            <a:tailEnd type="arrow"/>
+          </a:ln>
+        </p:spPr>
+        <p:style>
+          <a:lnRef idx="1">
+            <a:schemeClr val="accent1"/>
+          </a:lnRef>
+          <a:fillRef idx="0">
+            <a:schemeClr val="accent1"/>
+          </a:fillRef>
+          <a:effectRef idx="0">
+            <a:schemeClr val="accent1"/>
+          </a:effectRef>
+          <a:fontRef idx="minor">
+            <a:schemeClr val="tx1"/>
+          </a:fontRef>
+        </p:style>
+      </p:cxnSp>
+      <p:cxnSp>
+        <p:nvCxnSpPr>
+          <p:cNvPr id="19" name="Прямая со стрелкой 18"/>
+          <p:cNvCxnSpPr/>
+          <p:nvPr/>
+        </p:nvCxnSpPr>
+        <p:spPr>
+          <a:xfrm flipH="1">
+            <a:off x="3491880" y="5949280"/>
+            <a:ext cx="2016224" cy="0"/>
+          </a:xfrm>
+          <a:prstGeom prst="straightConnector1">
+            <a:avLst/>
+          </a:prstGeom>
+          <a:ln w="38100">
+            <a:tailEnd type="arrow"/>
+          </a:ln>
+        </p:spPr>
+        <p:style>
+          <a:lnRef idx="1">
+            <a:schemeClr val="accent1"/>
+          </a:lnRef>
+          <a:fillRef idx="0">
+            <a:schemeClr val="accent1"/>
+          </a:fillRef>
+          <a:effectRef idx="0">
+            <a:schemeClr val="accent1"/>
+          </a:effectRef>
+          <a:fontRef idx="minor">
+            <a:schemeClr val="tx1"/>
+          </a:fontRef>
+        </p:style>
+      </p:cxnSp>
+      <p:cxnSp>
+        <p:nvCxnSpPr>
+          <p:cNvPr id="21" name="Прямая со стрелкой 20"/>
+          <p:cNvCxnSpPr/>
+          <p:nvPr/>
+        </p:nvCxnSpPr>
+        <p:spPr>
+          <a:xfrm flipV="1">
+            <a:off x="6156176" y="1412776"/>
+            <a:ext cx="0" cy="792088"/>
+          </a:xfrm>
+          <a:prstGeom prst="straightConnector1">
+            <a:avLst/>
+          </a:prstGeom>
+          <a:ln w="38100">
+            <a:tailEnd type="arrow"/>
+          </a:ln>
+        </p:spPr>
+        <p:style>
+          <a:lnRef idx="1">
+            <a:schemeClr val="accent1"/>
+          </a:lnRef>
+          <a:fillRef idx="0">
+            <a:schemeClr val="accent1"/>
+          </a:fillRef>
+          <a:effectRef idx="0">
+            <a:schemeClr val="accent1"/>
+          </a:effectRef>
+          <a:fontRef idx="minor">
+            <a:schemeClr val="tx1"/>
+          </a:fontRef>
+        </p:style>
+      </p:cxnSp>
+      <p:cxnSp>
+        <p:nvCxnSpPr>
+          <p:cNvPr id="23" name="Прямая со стрелкой 22"/>
+          <p:cNvCxnSpPr/>
+          <p:nvPr/>
+        </p:nvCxnSpPr>
+        <p:spPr>
+          <a:xfrm>
+            <a:off x="7884368" y="1412776"/>
+            <a:ext cx="0" cy="792088"/>
+          </a:xfrm>
+          <a:prstGeom prst="straightConnector1">
+            <a:avLst/>
+          </a:prstGeom>
+          <a:ln w="38100">
+            <a:tailEnd type="arrow"/>
+          </a:ln>
+        </p:spPr>
+        <p:style>
+          <a:lnRef idx="1">
+            <a:schemeClr val="accent1"/>
+          </a:lnRef>
+          <a:fillRef idx="0">
+            <a:schemeClr val="accent1"/>
+          </a:fillRef>
+          <a:effectRef idx="0">
+            <a:schemeClr val="accent1"/>
+          </a:effectRef>
+          <a:fontRef idx="minor">
+            <a:schemeClr val="tx1"/>
+          </a:fontRef>
+        </p:style>
+      </p:cxnSp>
+      <p:cxnSp>
+        <p:nvCxnSpPr>
+          <p:cNvPr id="25" name="Прямая со стрелкой 24"/>
+          <p:cNvCxnSpPr/>
+          <p:nvPr/>
+        </p:nvCxnSpPr>
+        <p:spPr>
+          <a:xfrm flipV="1">
+            <a:off x="6156176" y="2852936"/>
+            <a:ext cx="0" cy="1008112"/>
+          </a:xfrm>
+          <a:prstGeom prst="straightConnector1">
+            <a:avLst/>
+          </a:prstGeom>
+          <a:ln w="38100">
+            <a:tailEnd type="arrow"/>
+          </a:ln>
+        </p:spPr>
+        <p:style>
+          <a:lnRef idx="1">
+            <a:schemeClr val="accent1"/>
+          </a:lnRef>
+          <a:fillRef idx="0">
+            <a:schemeClr val="accent1"/>
+          </a:fillRef>
+          <a:effectRef idx="0">
+            <a:schemeClr val="accent1"/>
+          </a:effectRef>
+          <a:fontRef idx="minor">
+            <a:schemeClr val="tx1"/>
+          </a:fontRef>
+        </p:style>
+      </p:cxnSp>
+      <p:cxnSp>
+        <p:nvCxnSpPr>
+          <p:cNvPr id="27" name="Прямая со стрелкой 26"/>
+          <p:cNvCxnSpPr/>
+          <p:nvPr/>
+        </p:nvCxnSpPr>
+        <p:spPr>
+          <a:xfrm>
+            <a:off x="7884368" y="2852936"/>
+            <a:ext cx="0" cy="1008112"/>
+          </a:xfrm>
+          <a:prstGeom prst="straightConnector1">
+            <a:avLst/>
+          </a:prstGeom>
+          <a:ln w="38100">
+            <a:tailEnd type="arrow"/>
+          </a:ln>
+        </p:spPr>
+        <p:style>
+          <a:lnRef idx="1">
+            <a:schemeClr val="accent1"/>
+          </a:lnRef>
+          <a:fillRef idx="0">
+            <a:schemeClr val="accent1"/>
+          </a:fillRef>
+          <a:effectRef idx="0">
+            <a:schemeClr val="accent1"/>
+          </a:effectRef>
+          <a:fontRef idx="minor">
+            <a:schemeClr val="tx1"/>
+          </a:fontRef>
+        </p:style>
+      </p:cxnSp>
+      <p:cxnSp>
+        <p:nvCxnSpPr>
+          <p:cNvPr id="29" name="Прямая со стрелкой 28"/>
+          <p:cNvCxnSpPr/>
+          <p:nvPr/>
+        </p:nvCxnSpPr>
+        <p:spPr>
+          <a:xfrm flipV="1">
+            <a:off x="6156176" y="4509120"/>
+            <a:ext cx="0" cy="936104"/>
+          </a:xfrm>
+          <a:prstGeom prst="straightConnector1">
+            <a:avLst/>
+          </a:prstGeom>
+          <a:ln w="38100">
+            <a:tailEnd type="arrow"/>
+          </a:ln>
+        </p:spPr>
+        <p:style>
+          <a:lnRef idx="1">
+            <a:schemeClr val="accent1"/>
+          </a:lnRef>
+          <a:fillRef idx="0">
+            <a:schemeClr val="accent1"/>
+          </a:fillRef>
+          <a:effectRef idx="0">
+            <a:schemeClr val="accent1"/>
+          </a:effectRef>
+          <a:fontRef idx="minor">
+            <a:schemeClr val="tx1"/>
+          </a:fontRef>
+        </p:style>
+      </p:cxnSp>
+      <p:cxnSp>
+        <p:nvCxnSpPr>
+          <p:cNvPr id="31" name="Прямая со стрелкой 30"/>
+          <p:cNvCxnSpPr/>
+          <p:nvPr/>
+        </p:nvCxnSpPr>
+        <p:spPr>
+          <a:xfrm>
+            <a:off x="7884368" y="4509120"/>
+            <a:ext cx="0" cy="936104"/>
+          </a:xfrm>
+          <a:prstGeom prst="straightConnector1">
+            <a:avLst/>
+          </a:prstGeom>
+          <a:ln w="38100">
+            <a:tailEnd type="arrow"/>
+          </a:ln>
+        </p:spPr>
+        <p:style>
+          <a:lnRef idx="1">
+            <a:schemeClr val="accent1"/>
+          </a:lnRef>
+          <a:fillRef idx="0">
+            <a:schemeClr val="accent1"/>
+          </a:fillRef>
+          <a:effectRef idx="0">
+            <a:schemeClr val="accent1"/>
+          </a:effectRef>
+          <a:fontRef idx="minor">
+            <a:schemeClr val="tx1"/>
+          </a:fontRef>
+        </p:style>
+      </p:cxnSp>
+      <p:cxnSp>
+        <p:nvCxnSpPr>
+          <p:cNvPr id="35" name="Прямая со стрелкой 34"/>
+          <p:cNvCxnSpPr/>
+          <p:nvPr/>
+        </p:nvCxnSpPr>
+        <p:spPr>
+          <a:xfrm flipV="1">
+            <a:off x="1187624" y="1412776"/>
+            <a:ext cx="0" cy="792088"/>
+          </a:xfrm>
+          <a:prstGeom prst="straightConnector1">
+            <a:avLst/>
+          </a:prstGeom>
+          <a:ln w="38100">
+            <a:tailEnd type="arrow"/>
+          </a:ln>
+        </p:spPr>
+        <p:style>
+          <a:lnRef idx="1">
+            <a:schemeClr val="accent1"/>
+          </a:lnRef>
+          <a:fillRef idx="0">
+            <a:schemeClr val="accent1"/>
+          </a:fillRef>
+          <a:effectRef idx="0">
+            <a:schemeClr val="accent1"/>
+          </a:effectRef>
+          <a:fontRef idx="minor">
+            <a:schemeClr val="tx1"/>
+          </a:fontRef>
+        </p:style>
+      </p:cxnSp>
+      <p:cxnSp>
+        <p:nvCxnSpPr>
+          <p:cNvPr id="37" name="Прямая со стрелкой 36"/>
+          <p:cNvCxnSpPr/>
+          <p:nvPr/>
+        </p:nvCxnSpPr>
+        <p:spPr>
+          <a:xfrm flipV="1">
+            <a:off x="1187624" y="2852936"/>
+            <a:ext cx="0" cy="1008112"/>
+          </a:xfrm>
+          <a:prstGeom prst="straightConnector1">
+            <a:avLst/>
+          </a:prstGeom>
+          <a:ln w="38100">
+            <a:tailEnd type="arrow"/>
+          </a:ln>
+        </p:spPr>
+        <p:style>
+          <a:lnRef idx="1">
+            <a:schemeClr val="accent1"/>
+          </a:lnRef>
+          <a:fillRef idx="0">
+            <a:schemeClr val="accent1"/>
+          </a:fillRef>
+          <a:effectRef idx="0">
+            <a:schemeClr val="accent1"/>
+          </a:effectRef>
+          <a:fontRef idx="minor">
+            <a:schemeClr val="tx1"/>
+          </a:fontRef>
+        </p:style>
+      </p:cxnSp>
+      <p:cxnSp>
+        <p:nvCxnSpPr>
+          <p:cNvPr id="39" name="Прямая со стрелкой 38"/>
+          <p:cNvCxnSpPr/>
+          <p:nvPr/>
+        </p:nvCxnSpPr>
+        <p:spPr>
+          <a:xfrm>
+            <a:off x="2915816" y="2852936"/>
+            <a:ext cx="0" cy="1008112"/>
+          </a:xfrm>
+          <a:prstGeom prst="straightConnector1">
+            <a:avLst/>
+          </a:prstGeom>
+          <a:ln w="38100">
+            <a:tailEnd type="arrow"/>
+          </a:ln>
+        </p:spPr>
+        <p:style>
+          <a:lnRef idx="1">
+            <a:schemeClr val="accent1"/>
+          </a:lnRef>
+          <a:fillRef idx="0">
+            <a:schemeClr val="accent1"/>
+          </a:fillRef>
+          <a:effectRef idx="0">
+            <a:schemeClr val="accent1"/>
+          </a:effectRef>
+          <a:fontRef idx="minor">
+            <a:schemeClr val="tx1"/>
+          </a:fontRef>
+        </p:style>
+      </p:cxnSp>
+      <p:cxnSp>
+        <p:nvCxnSpPr>
+          <p:cNvPr id="42" name="Прямая со стрелкой 41"/>
+          <p:cNvCxnSpPr/>
+          <p:nvPr/>
+        </p:nvCxnSpPr>
+        <p:spPr>
+          <a:xfrm flipV="1">
+            <a:off x="1187624" y="4509120"/>
+            <a:ext cx="0" cy="936104"/>
+          </a:xfrm>
+          <a:prstGeom prst="straightConnector1">
+            <a:avLst/>
+          </a:prstGeom>
+          <a:ln w="38100">
+            <a:tailEnd type="arrow"/>
+          </a:ln>
+        </p:spPr>
+        <p:style>
+          <a:lnRef idx="1">
+            <a:schemeClr val="accent1"/>
+          </a:lnRef>
+          <a:fillRef idx="0">
+            <a:schemeClr val="accent1"/>
+          </a:fillRef>
+          <a:effectRef idx="0">
+            <a:schemeClr val="accent1"/>
+          </a:effectRef>
+          <a:fontRef idx="minor">
+            <a:schemeClr val="tx1"/>
+          </a:fontRef>
+        </p:style>
+      </p:cxnSp>
+      <p:cxnSp>
+        <p:nvCxnSpPr>
+          <p:cNvPr id="44" name="Прямая со стрелкой 43"/>
+          <p:cNvCxnSpPr/>
+          <p:nvPr/>
+        </p:nvCxnSpPr>
+        <p:spPr>
+          <a:xfrm>
+            <a:off x="2915816" y="4509120"/>
+            <a:ext cx="0" cy="936104"/>
+          </a:xfrm>
+          <a:prstGeom prst="straightConnector1">
+            <a:avLst/>
+          </a:prstGeom>
+          <a:ln w="38100">
+            <a:tailEnd type="arrow"/>
+          </a:ln>
         </p:spPr>
         <p:style>
           <a:lnRef idx="1">

--- a/Docs/Презентация8.pptx
+++ b/Docs/Презентация8.pptx
@@ -8,6 +8,7 @@
     <p:sldId id="256" r:id="rId2"/>
     <p:sldId id="257" r:id="rId3"/>
     <p:sldId id="258" r:id="rId4"/>
+    <p:sldId id="259" r:id="rId5"/>
   </p:sldIdLst>
   <p:sldSz cx="9144000" cy="6858000" type="screen4x3"/>
   <p:notesSz cx="6858000" cy="9144000"/>
@@ -1117,6 +1118,13 @@
         </dgm:presLayoutVars>
       </dgm:prSet>
       <dgm:spPr/>
+      <dgm:t>
+        <a:bodyPr/>
+        <a:lstStyle/>
+        <a:p>
+          <a:endParaRPr lang="ru-RU"/>
+        </a:p>
+      </dgm:t>
     </dgm:pt>
     <dgm:pt modelId="{73C8967A-A94A-4F6C-AFC5-3E728C8CE415}" type="pres">
       <dgm:prSet presAssocID="{81056395-7C43-4001-BA95-07AE9BFFB2D1}" presName="node" presStyleLbl="node1" presStyleIdx="0" presStyleCnt="5" custScaleX="166839" custScaleY="47972">
@@ -3133,7 +3141,7 @@
             <a:fld id="{AF82A5BD-CF79-4D9B-9981-B9C5458F1737}" type="datetimeFigureOut">
               <a:rPr lang="ru-RU" smtClean="0"/>
               <a:pPr/>
-              <a:t>12.07.2017</a:t>
+              <a:t>13.07.2017</a:t>
             </a:fld>
             <a:endParaRPr lang="ru-RU"/>
           </a:p>
@@ -3300,7 +3308,7 @@
             <a:fld id="{AF82A5BD-CF79-4D9B-9981-B9C5458F1737}" type="datetimeFigureOut">
               <a:rPr lang="ru-RU" smtClean="0"/>
               <a:pPr/>
-              <a:t>12.07.2017</a:t>
+              <a:t>13.07.2017</a:t>
             </a:fld>
             <a:endParaRPr lang="ru-RU"/>
           </a:p>
@@ -3477,7 +3485,7 @@
             <a:fld id="{AF82A5BD-CF79-4D9B-9981-B9C5458F1737}" type="datetimeFigureOut">
               <a:rPr lang="ru-RU" smtClean="0"/>
               <a:pPr/>
-              <a:t>12.07.2017</a:t>
+              <a:t>13.07.2017</a:t>
             </a:fld>
             <a:endParaRPr lang="ru-RU"/>
           </a:p>
@@ -3644,7 +3652,7 @@
             <a:fld id="{AF82A5BD-CF79-4D9B-9981-B9C5458F1737}" type="datetimeFigureOut">
               <a:rPr lang="ru-RU" smtClean="0"/>
               <a:pPr/>
-              <a:t>12.07.2017</a:t>
+              <a:t>13.07.2017</a:t>
             </a:fld>
             <a:endParaRPr lang="ru-RU"/>
           </a:p>
@@ -3887,7 +3895,7 @@
             <a:fld id="{AF82A5BD-CF79-4D9B-9981-B9C5458F1737}" type="datetimeFigureOut">
               <a:rPr lang="ru-RU" smtClean="0"/>
               <a:pPr/>
-              <a:t>12.07.2017</a:t>
+              <a:t>13.07.2017</a:t>
             </a:fld>
             <a:endParaRPr lang="ru-RU"/>
           </a:p>
@@ -4172,7 +4180,7 @@
             <a:fld id="{AF82A5BD-CF79-4D9B-9981-B9C5458F1737}" type="datetimeFigureOut">
               <a:rPr lang="ru-RU" smtClean="0"/>
               <a:pPr/>
-              <a:t>12.07.2017</a:t>
+              <a:t>13.07.2017</a:t>
             </a:fld>
             <a:endParaRPr lang="ru-RU"/>
           </a:p>
@@ -4591,7 +4599,7 @@
             <a:fld id="{AF82A5BD-CF79-4D9B-9981-B9C5458F1737}" type="datetimeFigureOut">
               <a:rPr lang="ru-RU" smtClean="0"/>
               <a:pPr/>
-              <a:t>12.07.2017</a:t>
+              <a:t>13.07.2017</a:t>
             </a:fld>
             <a:endParaRPr lang="ru-RU"/>
           </a:p>
@@ -4706,7 +4714,7 @@
             <a:fld id="{AF82A5BD-CF79-4D9B-9981-B9C5458F1737}" type="datetimeFigureOut">
               <a:rPr lang="ru-RU" smtClean="0"/>
               <a:pPr/>
-              <a:t>12.07.2017</a:t>
+              <a:t>13.07.2017</a:t>
             </a:fld>
             <a:endParaRPr lang="ru-RU"/>
           </a:p>
@@ -4798,7 +4806,7 @@
             <a:fld id="{AF82A5BD-CF79-4D9B-9981-B9C5458F1737}" type="datetimeFigureOut">
               <a:rPr lang="ru-RU" smtClean="0"/>
               <a:pPr/>
-              <a:t>12.07.2017</a:t>
+              <a:t>13.07.2017</a:t>
             </a:fld>
             <a:endParaRPr lang="ru-RU"/>
           </a:p>
@@ -5072,7 +5080,7 @@
             <a:fld id="{AF82A5BD-CF79-4D9B-9981-B9C5458F1737}" type="datetimeFigureOut">
               <a:rPr lang="ru-RU" smtClean="0"/>
               <a:pPr/>
-              <a:t>12.07.2017</a:t>
+              <a:t>13.07.2017</a:t>
             </a:fld>
             <a:endParaRPr lang="ru-RU"/>
           </a:p>
@@ -5322,7 +5330,7 @@
             <a:fld id="{AF82A5BD-CF79-4D9B-9981-B9C5458F1737}" type="datetimeFigureOut">
               <a:rPr lang="ru-RU" smtClean="0"/>
               <a:pPr/>
-              <a:t>12.07.2017</a:t>
+              <a:t>13.07.2017</a:t>
             </a:fld>
             <a:endParaRPr lang="ru-RU"/>
           </a:p>
@@ -5532,7 +5540,7 @@
             <a:fld id="{AF82A5BD-CF79-4D9B-9981-B9C5458F1737}" type="datetimeFigureOut">
               <a:rPr lang="ru-RU" smtClean="0"/>
               <a:pPr/>
-              <a:t>12.07.2017</a:t>
+              <a:t>13.07.2017</a:t>
             </a:fld>
             <a:endParaRPr lang="ru-RU"/>
           </a:p>
@@ -6613,11 +6621,7 @@
             </a:r>
             <a:r>
               <a:rPr lang="ru-RU" dirty="0" err="1" smtClean="0"/>
-              <a:t>веб-сервис</a:t>
-            </a:r>
-            <a:r>
-              <a:rPr lang="ru-RU" dirty="0" err="1" smtClean="0"/>
-              <a:t>а</a:t>
+              <a:t>веб-сервиса</a:t>
             </a:r>
             <a:endParaRPr lang="ru-RU" dirty="0"/>
           </a:p>
@@ -7360,6 +7364,256 @@
           </a:fontRef>
         </p:style>
       </p:cxnSp>
+    </p:spTree>
+  </p:cSld>
+  <p:clrMapOvr>
+    <a:masterClrMapping/>
+  </p:clrMapOvr>
+</p:sld>
+</file>
+
+<file path=ppt/slides/slide4.xml><?xml version="1.0" encoding="utf-8"?>
+<p:sld xmlns:a="http://schemas.openxmlformats.org/drawingml/2006/main" xmlns:r="http://schemas.openxmlformats.org/officeDocument/2006/relationships" xmlns:p="http://schemas.openxmlformats.org/presentationml/2006/main">
+  <p:cSld>
+    <p:spTree>
+      <p:nvGrpSpPr>
+        <p:cNvPr id="1" name=""/>
+        <p:cNvGrpSpPr/>
+        <p:nvPr/>
+      </p:nvGrpSpPr>
+      <p:grpSpPr>
+        <a:xfrm>
+          <a:off x="0" y="0"/>
+          <a:ext cx="0" cy="0"/>
+          <a:chOff x="0" y="0"/>
+          <a:chExt cx="0" cy="0"/>
+        </a:xfrm>
+      </p:grpSpPr>
+      <p:sp>
+        <p:nvSpPr>
+          <p:cNvPr id="4" name="Овал 3"/>
+          <p:cNvSpPr/>
+          <p:nvPr/>
+        </p:nvSpPr>
+        <p:spPr>
+          <a:xfrm>
+            <a:off x="2699792" y="1124744"/>
+            <a:ext cx="4464496" cy="4464496"/>
+          </a:xfrm>
+          <a:prstGeom prst="ellipse">
+            <a:avLst/>
+          </a:prstGeom>
+          <a:solidFill>
+            <a:schemeClr val="bg2"/>
+          </a:solidFill>
+        </p:spPr>
+        <p:style>
+          <a:lnRef idx="2">
+            <a:schemeClr val="accent1">
+              <a:shade val="50000"/>
+            </a:schemeClr>
+          </a:lnRef>
+          <a:fillRef idx="1">
+            <a:schemeClr val="accent1"/>
+          </a:fillRef>
+          <a:effectRef idx="0">
+            <a:schemeClr val="accent1"/>
+          </a:effectRef>
+          <a:fontRef idx="minor">
+            <a:schemeClr val="lt1"/>
+          </a:fontRef>
+        </p:style>
+        <p:txBody>
+          <a:bodyPr rtlCol="0" anchor="ctr"/>
+          <a:lstStyle/>
+          <a:p>
+            <a:pPr algn="ctr"/>
+            <a:endParaRPr lang="ru-RU"/>
+          </a:p>
+        </p:txBody>
+      </p:sp>
+      <p:cxnSp>
+        <p:nvCxnSpPr>
+          <p:cNvPr id="6" name="Прямая соединительная линия 5"/>
+          <p:cNvCxnSpPr>
+            <a:stCxn id="4" idx="0"/>
+          </p:cNvCxnSpPr>
+          <p:nvPr/>
+        </p:nvCxnSpPr>
+        <p:spPr>
+          <a:xfrm>
+            <a:off x="4932040" y="1124744"/>
+            <a:ext cx="0" cy="2232248"/>
+          </a:xfrm>
+          <a:prstGeom prst="line">
+            <a:avLst/>
+          </a:prstGeom>
+        </p:spPr>
+        <p:style>
+          <a:lnRef idx="1">
+            <a:schemeClr val="accent1"/>
+          </a:lnRef>
+          <a:fillRef idx="0">
+            <a:schemeClr val="accent1"/>
+          </a:fillRef>
+          <a:effectRef idx="0">
+            <a:schemeClr val="accent1"/>
+          </a:effectRef>
+          <a:fontRef idx="minor">
+            <a:schemeClr val="tx1"/>
+          </a:fontRef>
+        </p:style>
+      </p:cxnSp>
+      <p:cxnSp>
+        <p:nvCxnSpPr>
+          <p:cNvPr id="8" name="Прямая соединительная линия 7"/>
+          <p:cNvCxnSpPr/>
+          <p:nvPr/>
+        </p:nvCxnSpPr>
+        <p:spPr>
+          <a:xfrm>
+            <a:off x="4932040" y="3356992"/>
+            <a:ext cx="1872208" cy="1152128"/>
+          </a:xfrm>
+          <a:prstGeom prst="line">
+            <a:avLst/>
+          </a:prstGeom>
+        </p:spPr>
+        <p:style>
+          <a:lnRef idx="1">
+            <a:schemeClr val="accent1"/>
+          </a:lnRef>
+          <a:fillRef idx="0">
+            <a:schemeClr val="accent1"/>
+          </a:fillRef>
+          <a:effectRef idx="0">
+            <a:schemeClr val="accent1"/>
+          </a:effectRef>
+          <a:fontRef idx="minor">
+            <a:schemeClr val="tx1"/>
+          </a:fontRef>
+        </p:style>
+      </p:cxnSp>
+      <p:cxnSp>
+        <p:nvCxnSpPr>
+          <p:cNvPr id="10" name="Прямая соединительная линия 9"/>
+          <p:cNvCxnSpPr/>
+          <p:nvPr/>
+        </p:nvCxnSpPr>
+        <p:spPr>
+          <a:xfrm flipH="1">
+            <a:off x="3131840" y="3356992"/>
+            <a:ext cx="1800202" cy="1296144"/>
+          </a:xfrm>
+          <a:prstGeom prst="line">
+            <a:avLst/>
+          </a:prstGeom>
+        </p:spPr>
+        <p:style>
+          <a:lnRef idx="1">
+            <a:schemeClr val="accent1"/>
+          </a:lnRef>
+          <a:fillRef idx="0">
+            <a:schemeClr val="accent1"/>
+          </a:fillRef>
+          <a:effectRef idx="0">
+            <a:schemeClr val="accent1"/>
+          </a:effectRef>
+          <a:fontRef idx="minor">
+            <a:schemeClr val="tx1"/>
+          </a:fontRef>
+        </p:style>
+      </p:cxnSp>
+      <p:sp>
+        <p:nvSpPr>
+          <p:cNvPr id="16" name="TextBox 15"/>
+          <p:cNvSpPr txBox="1"/>
+          <p:nvPr/>
+        </p:nvSpPr>
+        <p:spPr>
+          <a:xfrm>
+            <a:off x="3419872" y="2276872"/>
+            <a:ext cx="1296144" cy="369332"/>
+          </a:xfrm>
+          <a:prstGeom prst="rect">
+            <a:avLst/>
+          </a:prstGeom>
+          <a:noFill/>
+        </p:spPr>
+        <p:txBody>
+          <a:bodyPr wrap="square" rtlCol="0">
+            <a:spAutoFit/>
+          </a:bodyPr>
+          <a:lstStyle/>
+          <a:p>
+            <a:r>
+              <a:rPr lang="ru-RU" dirty="0" smtClean="0"/>
+              <a:t>Адрес</a:t>
+            </a:r>
+            <a:endParaRPr lang="ru-RU" dirty="0"/>
+          </a:p>
+        </p:txBody>
+      </p:sp>
+      <p:sp>
+        <p:nvSpPr>
+          <p:cNvPr id="17" name="TextBox 16"/>
+          <p:cNvSpPr txBox="1"/>
+          <p:nvPr/>
+        </p:nvSpPr>
+        <p:spPr>
+          <a:xfrm>
+            <a:off x="5220072" y="2276872"/>
+            <a:ext cx="1368152" cy="369332"/>
+          </a:xfrm>
+          <a:prstGeom prst="rect">
+            <a:avLst/>
+          </a:prstGeom>
+          <a:noFill/>
+        </p:spPr>
+        <p:txBody>
+          <a:bodyPr wrap="square" rtlCol="0">
+            <a:spAutoFit/>
+          </a:bodyPr>
+          <a:lstStyle/>
+          <a:p>
+            <a:r>
+              <a:rPr lang="ru-RU" dirty="0" smtClean="0"/>
+              <a:t>Контракт</a:t>
+            </a:r>
+            <a:endParaRPr lang="ru-RU" dirty="0"/>
+          </a:p>
+        </p:txBody>
+      </p:sp>
+      <p:sp>
+        <p:nvSpPr>
+          <p:cNvPr id="18" name="TextBox 17"/>
+          <p:cNvSpPr txBox="1"/>
+          <p:nvPr/>
+        </p:nvSpPr>
+        <p:spPr>
+          <a:xfrm>
+            <a:off x="4355976" y="4221088"/>
+            <a:ext cx="1656184" cy="369332"/>
+          </a:xfrm>
+          <a:prstGeom prst="rect">
+            <a:avLst/>
+          </a:prstGeom>
+          <a:noFill/>
+        </p:spPr>
+        <p:txBody>
+          <a:bodyPr wrap="square" rtlCol="0">
+            <a:spAutoFit/>
+          </a:bodyPr>
+          <a:lstStyle/>
+          <a:p>
+            <a:r>
+              <a:rPr lang="ru-RU" dirty="0" smtClean="0"/>
+              <a:t>Привязка</a:t>
+            </a:r>
+            <a:endParaRPr lang="ru-RU" dirty="0"/>
+          </a:p>
+        </p:txBody>
+      </p:sp>
     </p:spTree>
   </p:cSld>
   <p:clrMapOvr>
